--- a/note/叶昶-转正答辩.pptx
+++ b/note/叶昶-转正答辩.pptx
@@ -8,14 +8,13 @@
     <p:sldId id="256" r:id="rId2"/>
     <p:sldId id="286" r:id="rId3"/>
     <p:sldId id="280" r:id="rId4"/>
-    <p:sldId id="285" r:id="rId5"/>
-    <p:sldId id="281" r:id="rId6"/>
+    <p:sldId id="281" r:id="rId5"/>
+    <p:sldId id="285" r:id="rId6"/>
     <p:sldId id="288" r:id="rId7"/>
-    <p:sldId id="284" r:id="rId8"/>
-    <p:sldId id="283" r:id="rId9"/>
-    <p:sldId id="282" r:id="rId10"/>
-    <p:sldId id="258" r:id="rId11"/>
-    <p:sldId id="259" r:id="rId12"/>
+    <p:sldId id="283" r:id="rId8"/>
+    <p:sldId id="282" r:id="rId9"/>
+    <p:sldId id="258" r:id="rId10"/>
+    <p:sldId id="259" r:id="rId11"/>
   </p:sldIdLst>
   <p:sldSz cx="9144000" cy="6858000" type="screen4x3"/>
   <p:notesSz cx="6858000" cy="9144000"/>
@@ -933,7 +932,7 @@
         <a:p>
           <a:r>
             <a:rPr lang="zh-CN" altLang="en-US" dirty="0" smtClean="0"/>
-            <a:t>一、收获与成绩</a:t>
+            <a:t>一、业务与收获</a:t>
           </a:r>
           <a:endParaRPr lang="zh-CN" altLang="en-US" dirty="0"/>
         </a:p>
@@ -970,7 +969,7 @@
         <a:p>
           <a:r>
             <a:rPr lang="zh-CN" altLang="en-US" dirty="0" smtClean="0"/>
-            <a:t>二、问题与解决</a:t>
+            <a:t>二、做到更好</a:t>
           </a:r>
           <a:endParaRPr lang="zh-CN" altLang="en-US" dirty="0"/>
         </a:p>
@@ -1007,7 +1006,11 @@
         <a:p>
           <a:r>
             <a:rPr lang="zh-CN" altLang="en-US" dirty="0" smtClean="0"/>
-            <a:t>三、思考与策划</a:t>
+            <a:t>三、思考</a:t>
+          </a:r>
+          <a:r>
+            <a:rPr lang="zh-CN" altLang="en-US" dirty="0" smtClean="0"/>
+            <a:t>与规划</a:t>
           </a:r>
           <a:endParaRPr lang="zh-CN" altLang="en-US" dirty="0"/>
         </a:p>
@@ -1328,7 +1331,7 @@
           </a:pPr>
           <a:r>
             <a:rPr lang="zh-CN" altLang="en-US" sz="2600" kern="1200" dirty="0" smtClean="0"/>
-            <a:t>一、收获与成绩</a:t>
+            <a:t>一、业务与收获</a:t>
           </a:r>
           <a:endParaRPr lang="zh-CN" altLang="en-US" sz="2600" kern="1200" dirty="0"/>
         </a:p>
@@ -1446,7 +1449,7 @@
           </a:pPr>
           <a:r>
             <a:rPr lang="zh-CN" altLang="en-US" sz="2600" kern="1200" dirty="0" smtClean="0"/>
-            <a:t>二、问题与解决</a:t>
+            <a:t>二、做到更好</a:t>
           </a:r>
           <a:endParaRPr lang="zh-CN" altLang="en-US" sz="2600" kern="1200" dirty="0"/>
         </a:p>
@@ -1567,7 +1570,11 @@
           </a:pPr>
           <a:r>
             <a:rPr lang="zh-CN" altLang="en-US" sz="2600" kern="1200" dirty="0" smtClean="0"/>
-            <a:t>三、思考与策划</a:t>
+            <a:t>三、思考</a:t>
+          </a:r>
+          <a:r>
+            <a:rPr lang="zh-CN" altLang="en-US" sz="2600" kern="1200" dirty="0" smtClean="0"/>
+            <a:t>与规划</a:t>
           </a:r>
           <a:endParaRPr lang="zh-CN" altLang="en-US" sz="2600" kern="1200" dirty="0"/>
         </a:p>
@@ -3167,7 +3174,7 @@
               <a:pPr>
                 <a:defRPr/>
               </a:pPr>
-              <a:t>2018/2/7</a:t>
+              <a:t>2018/2/9</a:t>
             </a:fld>
             <a:endParaRPr lang="zh-CN" altLang="en-US"/>
           </a:p>
@@ -3359,7 +3366,7 @@
               <a:pPr>
                 <a:defRPr/>
               </a:pPr>
-              <a:t>2018/2/7</a:t>
+              <a:t>2018/2/9</a:t>
             </a:fld>
             <a:endParaRPr lang="zh-CN" altLang="en-US"/>
           </a:p>
@@ -3561,7 +3568,7 @@
               <a:pPr>
                 <a:defRPr/>
               </a:pPr>
-              <a:t>2018/2/7</a:t>
+              <a:t>2018/2/9</a:t>
             </a:fld>
             <a:endParaRPr lang="zh-CN" altLang="en-US"/>
           </a:p>
@@ -3753,7 +3760,7 @@
               <a:pPr>
                 <a:defRPr/>
               </a:pPr>
-              <a:t>2018/2/7</a:t>
+              <a:t>2018/2/9</a:t>
             </a:fld>
             <a:endParaRPr lang="zh-CN" altLang="en-US"/>
           </a:p>
@@ -4021,7 +4028,7 @@
               <a:pPr>
                 <a:defRPr/>
               </a:pPr>
-              <a:t>2018/2/7</a:t>
+              <a:t>2018/2/9</a:t>
             </a:fld>
             <a:endParaRPr lang="zh-CN" altLang="en-US"/>
           </a:p>
@@ -4331,7 +4338,7 @@
               <a:pPr>
                 <a:defRPr/>
               </a:pPr>
-              <a:t>2018/2/7</a:t>
+              <a:t>2018/2/9</a:t>
             </a:fld>
             <a:endParaRPr lang="zh-CN" altLang="en-US"/>
           </a:p>
@@ -4775,7 +4782,7 @@
               <a:pPr>
                 <a:defRPr/>
               </a:pPr>
-              <a:t>2018/2/7</a:t>
+              <a:t>2018/2/9</a:t>
             </a:fld>
             <a:endParaRPr lang="zh-CN" altLang="en-US"/>
           </a:p>
@@ -4915,7 +4922,7 @@
               <a:pPr>
                 <a:defRPr/>
               </a:pPr>
-              <a:t>2018/2/7</a:t>
+              <a:t>2018/2/9</a:t>
             </a:fld>
             <a:endParaRPr lang="zh-CN" altLang="en-US"/>
           </a:p>
@@ -5032,7 +5039,7 @@
               <a:pPr>
                 <a:defRPr/>
               </a:pPr>
-              <a:t>2018/2/7</a:t>
+              <a:t>2018/2/9</a:t>
             </a:fld>
             <a:endParaRPr lang="zh-CN" altLang="en-US"/>
           </a:p>
@@ -5331,7 +5338,7 @@
               <a:pPr>
                 <a:defRPr/>
               </a:pPr>
-              <a:t>2018/2/7</a:t>
+              <a:t>2018/2/9</a:t>
             </a:fld>
             <a:endParaRPr lang="zh-CN" altLang="en-US"/>
           </a:p>
@@ -5609,7 +5616,7 @@
               <a:pPr>
                 <a:defRPr/>
               </a:pPr>
-              <a:t>2018/2/7</a:t>
+              <a:t>2018/2/9</a:t>
             </a:fld>
             <a:endParaRPr lang="zh-CN" altLang="en-US"/>
           </a:p>
@@ -5862,7 +5869,7 @@
               <a:pPr>
                 <a:defRPr/>
               </a:pPr>
-              <a:t>2018/2/7</a:t>
+              <a:t>2018/2/9</a:t>
             </a:fld>
             <a:endParaRPr lang="zh-CN" altLang="en-US"/>
           </a:p>
@@ -6649,201 +6656,6 @@
       </p:grpSpPr>
       <p:pic>
         <p:nvPicPr>
-          <p:cNvPr id="18434" name="图片 1" descr="PPT-02.jpg"/>
-          <p:cNvPicPr>
-            <a:picLocks noChangeAspect="1"/>
-          </p:cNvPicPr>
-          <p:nvPr/>
-        </p:nvPicPr>
-        <p:blipFill>
-          <a:blip r:embed="rId2"/>
-          <a:srcRect/>
-          <a:stretch>
-            <a:fillRect/>
-          </a:stretch>
-        </p:blipFill>
-        <p:spPr bwMode="auto">
-          <a:xfrm>
-            <a:off x="0" y="0"/>
-            <a:ext cx="9144000" cy="6858000"/>
-          </a:xfrm>
-          <a:prstGeom prst="rect">
-            <a:avLst/>
-          </a:prstGeom>
-          <a:noFill/>
-          <a:ln w="9525">
-            <a:noFill/>
-            <a:miter lim="800000"/>
-            <a:headEnd/>
-            <a:tailEnd/>
-          </a:ln>
-        </p:spPr>
-      </p:pic>
-      <p:sp>
-        <p:nvSpPr>
-          <p:cNvPr id="2" name="矩形 1"/>
-          <p:cNvSpPr/>
-          <p:nvPr/>
-        </p:nvSpPr>
-        <p:spPr>
-          <a:xfrm>
-            <a:off x="1449015" y="2326400"/>
-            <a:ext cx="5801588" cy="923330"/>
-          </a:xfrm>
-          <a:prstGeom prst="rect">
-            <a:avLst/>
-          </a:prstGeom>
-          <a:noFill/>
-        </p:spPr>
-        <p:txBody>
-          <a:bodyPr wrap="none" lIns="91440" tIns="45720" rIns="91440" bIns="45720">
-            <a:spAutoFit/>
-          </a:bodyPr>
-          <a:lstStyle/>
-          <a:p>
-            <a:pPr algn="ctr"/>
-            <a:r>
-              <a:rPr lang="zh-CN" altLang="en-US" sz="5400" b="1" dirty="0" smtClean="0">
-                <a:ln w="10160">
-                  <a:solidFill>
-                    <a:schemeClr val="accent5"/>
-                  </a:solidFill>
-                  <a:prstDash val="solid"/>
-                </a:ln>
-                <a:solidFill>
-                  <a:srgbClr val="FFFFFF"/>
-                </a:solidFill>
-                <a:effectLst>
-                  <a:outerShdw blurRad="38100" dist="22860" dir="5400000" algn="tl" rotWithShape="0">
-                    <a:srgbClr val="000000">
-                      <a:alpha val="30000"/>
-                    </a:srgbClr>
-                  </a:outerShdw>
-                </a:effectLst>
-              </a:rPr>
-              <a:t>谢谢  </a:t>
-            </a:r>
-            <a:r>
-              <a:rPr lang="en-US" altLang="zh-CN" sz="5400" b="1" dirty="0" smtClean="0">
-                <a:ln w="10160">
-                  <a:solidFill>
-                    <a:schemeClr val="accent5"/>
-                  </a:solidFill>
-                  <a:prstDash val="solid"/>
-                </a:ln>
-                <a:solidFill>
-                  <a:srgbClr val="FFFFFF"/>
-                </a:solidFill>
-                <a:effectLst>
-                  <a:outerShdw blurRad="38100" dist="22860" dir="5400000" algn="tl" rotWithShape="0">
-                    <a:srgbClr val="000000">
-                      <a:alpha val="30000"/>
-                    </a:srgbClr>
-                  </a:outerShdw>
-                </a:effectLst>
-              </a:rPr>
-              <a:t>(</a:t>
-            </a:r>
-            <a:r>
-              <a:rPr lang="zh-CN" altLang="en-US" sz="5400" b="1" dirty="0">
-                <a:ln w="10160">
-                  <a:solidFill>
-                    <a:schemeClr val="accent5"/>
-                  </a:solidFill>
-                  <a:prstDash val="solid"/>
-                </a:ln>
-                <a:solidFill>
-                  <a:srgbClr val="FFFFFF"/>
-                </a:solidFill>
-                <a:effectLst>
-                  <a:outerShdw blurRad="38100" dist="22860" dir="5400000" algn="tl" rotWithShape="0">
-                    <a:srgbClr val="000000">
-                      <a:alpha val="30000"/>
-                    </a:srgbClr>
-                  </a:outerShdw>
-                </a:effectLst>
-              </a:rPr>
-              <a:t>ｖ＾＿＾</a:t>
-            </a:r>
-            <a:r>
-              <a:rPr lang="en-US" altLang="zh-CN" sz="5400" b="1" dirty="0">
-                <a:ln w="10160">
-                  <a:solidFill>
-                    <a:schemeClr val="accent5"/>
-                  </a:solidFill>
-                  <a:prstDash val="solid"/>
-                </a:ln>
-                <a:solidFill>
-                  <a:srgbClr val="FFFFFF"/>
-                </a:solidFill>
-                <a:effectLst>
-                  <a:outerShdw blurRad="38100" dist="22860" dir="5400000" algn="tl" rotWithShape="0">
-                    <a:srgbClr val="000000">
-                      <a:alpha val="30000"/>
-                    </a:srgbClr>
-                  </a:outerShdw>
-                </a:effectLst>
-              </a:rPr>
-              <a:t>)</a:t>
-            </a:r>
-            <a:r>
-              <a:rPr lang="zh-CN" altLang="en-US" sz="5400" b="1" dirty="0">
-                <a:ln w="10160">
-                  <a:solidFill>
-                    <a:schemeClr val="accent5"/>
-                  </a:solidFill>
-                  <a:prstDash val="solid"/>
-                </a:ln>
-                <a:solidFill>
-                  <a:srgbClr val="FFFFFF"/>
-                </a:solidFill>
-                <a:effectLst>
-                  <a:outerShdw blurRad="38100" dist="22860" dir="5400000" algn="tl" rotWithShape="0">
-                    <a:srgbClr val="000000">
-                      <a:alpha val="30000"/>
-                    </a:srgbClr>
-                  </a:outerShdw>
-                </a:effectLst>
-              </a:rPr>
-              <a:t>ｖ</a:t>
-            </a:r>
-          </a:p>
-        </p:txBody>
-      </p:sp>
-    </p:spTree>
-  </p:cSld>
-  <p:clrMapOvr>
-    <a:masterClrMapping/>
-  </p:clrMapOvr>
-  <p:timing>
-    <p:tnLst>
-      <p:par>
-        <p:cTn id="1" dur="indefinite" restart="never" nodeType="tmRoot"/>
-      </p:par>
-    </p:tnLst>
-  </p:timing>
-</p:sld>
-</file>
-
-<file path=ppt/slides/slide11.xml><?xml version="1.0" encoding="utf-8"?>
-<p:sld xmlns:a="http://schemas.openxmlformats.org/drawingml/2006/main" xmlns:r="http://schemas.openxmlformats.org/officeDocument/2006/relationships" xmlns:p="http://schemas.openxmlformats.org/presentationml/2006/main">
-  <p:cSld>
-    <p:spTree>
-      <p:nvGrpSpPr>
-        <p:cNvPr id="1" name=""/>
-        <p:cNvGrpSpPr/>
-        <p:nvPr/>
-      </p:nvGrpSpPr>
-      <p:grpSpPr>
-        <a:xfrm>
-          <a:off x="0" y="0"/>
-          <a:ext cx="0" cy="0"/>
-          <a:chOff x="0" y="0"/>
-          <a:chExt cx="0" cy="0"/>
-        </a:xfrm>
-      </p:grpSpPr>
-      <p:pic>
-        <p:nvPicPr>
           <p:cNvPr id="19458" name="图片 2" descr="0001.jpg"/>
           <p:cNvPicPr>
             <a:picLocks noChangeAspect="1"/>
@@ -6945,7 +6757,7 @@
           <p:nvPr>
             <p:extLst>
               <p:ext uri="{D42A27DB-BD31-4B8C-83A1-F6EECF244321}">
-                <p14:modId xmlns:p14="http://schemas.microsoft.com/office/powerpoint/2010/main" val="3188846314"/>
+                <p14:modId xmlns:p14="http://schemas.microsoft.com/office/powerpoint/2010/main" val="2652370658"/>
               </p:ext>
             </p:extLst>
           </p:nvPr>
@@ -7062,7 +6874,7 @@
         </p:nvSpPr>
         <p:spPr>
           <a:xfrm>
-            <a:off x="457200" y="266912"/>
+            <a:off x="457199" y="266912"/>
             <a:ext cx="3775393" cy="707886"/>
           </a:xfrm>
           <a:prstGeom prst="rect">
@@ -7088,7 +6900,7 @@
                   </a:outerShdw>
                 </a:effectLst>
               </a:rPr>
-              <a:t>一、收获</a:t>
+              <a:t>一、</a:t>
             </a:r>
             <a:r>
               <a:rPr lang="zh-CN" altLang="en-US" sz="4000" dirty="0">
@@ -7101,7 +6913,20 @@
                   </a:outerShdw>
                 </a:effectLst>
               </a:rPr>
-              <a:t>与成绩</a:t>
+              <a:t>业务</a:t>
+            </a:r>
+            <a:r>
+              <a:rPr lang="zh-CN" altLang="en-US" sz="4000" dirty="0" smtClean="0">
+                <a:ln w="0"/>
+                <a:effectLst>
+                  <a:outerShdw blurRad="38100" dist="19050" dir="2700000" algn="tl" rotWithShape="0">
+                    <a:schemeClr val="dk1">
+                      <a:alpha val="40000"/>
+                    </a:schemeClr>
+                  </a:outerShdw>
+                </a:effectLst>
+              </a:rPr>
+              <a:t>与收获</a:t>
             </a:r>
             <a:endParaRPr lang="zh-CN" altLang="en-US" sz="4000" b="0" cap="none" spc="0" dirty="0">
               <a:ln w="0"/>
@@ -7252,11 +7077,11 @@
             </a:r>
             <a:r>
               <a:rPr lang="zh-CN" altLang="en-US" dirty="0"/>
-              <a:t>抽奖系统的前端部分（划水完成</a:t>
+              <a:t>抽奖系统的前端</a:t>
             </a:r>
             <a:r>
               <a:rPr lang="zh-CN" altLang="en-US" dirty="0" smtClean="0"/>
-              <a:t>）</a:t>
+              <a:t>部分</a:t>
             </a:r>
             <a:endParaRPr lang="en-US" altLang="zh-CN" dirty="0" smtClean="0"/>
           </a:p>
@@ -7332,7 +7157,7 @@
             </a:r>
             <a:r>
               <a:rPr lang="zh-CN" altLang="en-US" dirty="0" smtClean="0"/>
-              <a:t>）邀请好友领红包的首页开发</a:t>
+              <a:t>）单独负责邀请好友领红包的前端开发</a:t>
             </a:r>
             <a:endParaRPr lang="en-US" altLang="zh-CN" dirty="0" smtClean="0"/>
           </a:p>
@@ -7500,1003 +7325,6 @@
           <a:chExt cx="0" cy="0"/>
         </a:xfrm>
       </p:grpSpPr>
-      <p:pic>
-        <p:nvPicPr>
-          <p:cNvPr id="17411" name="图片 3" descr="PPT-03.jpg"/>
-          <p:cNvPicPr>
-            <a:picLocks noChangeAspect="1"/>
-          </p:cNvPicPr>
-          <p:nvPr/>
-        </p:nvPicPr>
-        <p:blipFill>
-          <a:blip r:embed="rId2"/>
-          <a:srcRect/>
-          <a:stretch>
-            <a:fillRect/>
-          </a:stretch>
-        </p:blipFill>
-        <p:spPr bwMode="auto">
-          <a:xfrm>
-            <a:off x="0" y="9039"/>
-            <a:ext cx="9286875" cy="6858000"/>
-          </a:xfrm>
-          <a:prstGeom prst="rect">
-            <a:avLst/>
-          </a:prstGeom>
-          <a:noFill/>
-          <a:ln w="9525">
-            <a:noFill/>
-            <a:miter lim="800000"/>
-            <a:headEnd/>
-            <a:tailEnd/>
-          </a:ln>
-        </p:spPr>
-      </p:pic>
-      <p:sp>
-        <p:nvSpPr>
-          <p:cNvPr id="2" name="文本框 1"/>
-          <p:cNvSpPr txBox="1"/>
-          <p:nvPr/>
-        </p:nvSpPr>
-        <p:spPr>
-          <a:xfrm>
-            <a:off x="457200" y="3338854"/>
-            <a:ext cx="6947731" cy="2308324"/>
-          </a:xfrm>
-          <a:prstGeom prst="rect">
-            <a:avLst/>
-          </a:prstGeom>
-          <a:noFill/>
-        </p:spPr>
-        <p:txBody>
-          <a:bodyPr wrap="square" rtlCol="0">
-            <a:spAutoFit/>
-          </a:bodyPr>
-          <a:lstStyle/>
-          <a:p>
-            <a:pPr>
-              <a:lnSpc>
-                <a:spcPct val="150000"/>
-              </a:lnSpc>
-            </a:pPr>
-            <a:r>
-              <a:rPr lang="zh-CN" altLang="en-US" sz="2400" b="1" dirty="0" smtClean="0"/>
-              <a:t>个人收获：</a:t>
-            </a:r>
-            <a:endParaRPr lang="en-US" altLang="zh-CN" sz="2400" b="1" dirty="0" smtClean="0"/>
-          </a:p>
-          <a:p>
-            <a:pPr>
-              <a:lnSpc>
-                <a:spcPct val="150000"/>
-              </a:lnSpc>
-            </a:pPr>
-            <a:r>
-              <a:rPr lang="en-US" altLang="zh-CN" dirty="0" smtClean="0"/>
-              <a:t>1.</a:t>
-            </a:r>
-            <a:r>
-              <a:rPr lang="zh-CN" altLang="en-US" dirty="0" smtClean="0"/>
-              <a:t>代码的规范，代码不仅是让自己看得懂，还要让别人也看懂。</a:t>
-            </a:r>
-            <a:endParaRPr lang="en-US" altLang="zh-CN" dirty="0" smtClean="0"/>
-          </a:p>
-          <a:p>
-            <a:pPr>
-              <a:lnSpc>
-                <a:spcPct val="150000"/>
-              </a:lnSpc>
-            </a:pPr>
-            <a:r>
-              <a:rPr lang="en-US" altLang="zh-CN" dirty="0" smtClean="0"/>
-              <a:t>2.</a:t>
-            </a:r>
-            <a:r>
-              <a:rPr lang="zh-CN" altLang="en-US" dirty="0" smtClean="0"/>
-              <a:t>开发前的流程梳理与从大到小开发的步骤</a:t>
-            </a:r>
-            <a:endParaRPr lang="en-US" altLang="zh-CN" dirty="0" smtClean="0"/>
-          </a:p>
-          <a:p>
-            <a:pPr>
-              <a:lnSpc>
-                <a:spcPct val="150000"/>
-              </a:lnSpc>
-            </a:pPr>
-            <a:r>
-              <a:rPr lang="en-US" altLang="zh-CN" dirty="0" smtClean="0"/>
-              <a:t>3.</a:t>
-            </a:r>
-            <a:r>
-              <a:rPr lang="zh-CN" altLang="en-US" dirty="0" smtClean="0"/>
-              <a:t>不仅是写代码，还要会生活。</a:t>
-            </a:r>
-            <a:endParaRPr lang="en-US" altLang="zh-CN" dirty="0" smtClean="0"/>
-          </a:p>
-          <a:p>
-            <a:pPr>
-              <a:lnSpc>
-                <a:spcPct val="150000"/>
-              </a:lnSpc>
-            </a:pPr>
-            <a:r>
-              <a:rPr lang="en-US" altLang="zh-CN" dirty="0" smtClean="0"/>
-              <a:t>4.</a:t>
-            </a:r>
-            <a:r>
-              <a:rPr lang="zh-CN" altLang="en-US" dirty="0" smtClean="0"/>
-              <a:t>一群志同道合的小伙伴</a:t>
-            </a:r>
-            <a:endParaRPr lang="zh-CN" altLang="en-US" dirty="0"/>
-          </a:p>
-        </p:txBody>
-      </p:sp>
-      <p:sp>
-        <p:nvSpPr>
-          <p:cNvPr id="5" name="文本框 4"/>
-          <p:cNvSpPr txBox="1"/>
-          <p:nvPr/>
-        </p:nvSpPr>
-        <p:spPr>
-          <a:xfrm>
-            <a:off x="457198" y="368429"/>
-            <a:ext cx="6947731" cy="583108"/>
-          </a:xfrm>
-          <a:prstGeom prst="rect">
-            <a:avLst/>
-          </a:prstGeom>
-          <a:noFill/>
-        </p:spPr>
-        <p:txBody>
-          <a:bodyPr wrap="square" rtlCol="0">
-            <a:spAutoFit/>
-          </a:bodyPr>
-          <a:lstStyle/>
-          <a:p>
-            <a:pPr>
-              <a:lnSpc>
-                <a:spcPct val="150000"/>
-              </a:lnSpc>
-            </a:pPr>
-            <a:r>
-              <a:rPr lang="zh-CN" altLang="en-US" sz="2400" b="1" dirty="0" smtClean="0"/>
-              <a:t>技术方面：</a:t>
-            </a:r>
-          </a:p>
-        </p:txBody>
-      </p:sp>
-      <p:sp>
-        <p:nvSpPr>
-          <p:cNvPr id="3" name="椭圆 2"/>
-          <p:cNvSpPr/>
-          <p:nvPr/>
-        </p:nvSpPr>
-        <p:spPr>
-          <a:xfrm>
-            <a:off x="931492" y="990503"/>
-            <a:ext cx="1880074" cy="959661"/>
-          </a:xfrm>
-          <a:prstGeom prst="ellipse">
-            <a:avLst/>
-          </a:prstGeom>
-        </p:spPr>
-        <p:style>
-          <a:lnRef idx="1">
-            <a:schemeClr val="accent3"/>
-          </a:lnRef>
-          <a:fillRef idx="2">
-            <a:schemeClr val="accent3"/>
-          </a:fillRef>
-          <a:effectRef idx="1">
-            <a:schemeClr val="accent3"/>
-          </a:effectRef>
-          <a:fontRef idx="minor">
-            <a:schemeClr val="dk1"/>
-          </a:fontRef>
-        </p:style>
-        <p:txBody>
-          <a:bodyPr rtlCol="0" anchor="ctr"/>
-          <a:lstStyle/>
-          <a:p>
-            <a:pPr algn="ctr"/>
-            <a:endParaRPr lang="zh-CN" altLang="en-US"/>
-          </a:p>
-        </p:txBody>
-      </p:sp>
-      <p:sp>
-        <p:nvSpPr>
-          <p:cNvPr id="4" name="文本框 3"/>
-          <p:cNvSpPr txBox="1"/>
-          <p:nvPr/>
-        </p:nvSpPr>
-        <p:spPr>
-          <a:xfrm>
-            <a:off x="1008244" y="1182189"/>
-            <a:ext cx="1948437" cy="507831"/>
-          </a:xfrm>
-          <a:prstGeom prst="rect">
-            <a:avLst/>
-          </a:prstGeom>
-          <a:noFill/>
-        </p:spPr>
-        <p:txBody>
-          <a:bodyPr wrap="square" rtlCol="0">
-            <a:spAutoFit/>
-          </a:bodyPr>
-          <a:lstStyle/>
-          <a:p>
-            <a:pPr>
-              <a:lnSpc>
-                <a:spcPct val="150000"/>
-              </a:lnSpc>
-            </a:pPr>
-            <a:r>
-              <a:rPr lang="en-US" altLang="zh-CN" dirty="0"/>
-              <a:t>1.</a:t>
-            </a:r>
-            <a:r>
-              <a:rPr lang="zh-CN" altLang="en-US" dirty="0"/>
-              <a:t>微信验证登录。</a:t>
-            </a:r>
-            <a:endParaRPr lang="en-US" altLang="zh-CN" dirty="0"/>
-          </a:p>
-        </p:txBody>
-      </p:sp>
-      <p:sp>
-        <p:nvSpPr>
-          <p:cNvPr id="6" name="矩形 5"/>
-          <p:cNvSpPr/>
-          <p:nvPr/>
-        </p:nvSpPr>
-        <p:spPr>
-          <a:xfrm>
-            <a:off x="3896996" y="1027950"/>
-            <a:ext cx="2042449" cy="868673"/>
-          </a:xfrm>
-          <a:prstGeom prst="rect">
-            <a:avLst/>
-          </a:prstGeom>
-        </p:spPr>
-        <p:style>
-          <a:lnRef idx="1">
-            <a:schemeClr val="accent5"/>
-          </a:lnRef>
-          <a:fillRef idx="2">
-            <a:schemeClr val="accent5"/>
-          </a:fillRef>
-          <a:effectRef idx="1">
-            <a:schemeClr val="accent5"/>
-          </a:effectRef>
-          <a:fontRef idx="minor">
-            <a:schemeClr val="dk1"/>
-          </a:fontRef>
-        </p:style>
-        <p:txBody>
-          <a:bodyPr rtlCol="0" anchor="ctr"/>
-          <a:lstStyle/>
-          <a:p>
-            <a:pPr algn="ctr"/>
-            <a:endParaRPr lang="zh-CN" altLang="en-US"/>
-          </a:p>
-        </p:txBody>
-      </p:sp>
-      <p:sp>
-        <p:nvSpPr>
-          <p:cNvPr id="7" name="文本框 6"/>
-          <p:cNvSpPr txBox="1"/>
-          <p:nvPr/>
-        </p:nvSpPr>
-        <p:spPr>
-          <a:xfrm>
-            <a:off x="4089286" y="1277620"/>
-            <a:ext cx="1777529" cy="369332"/>
-          </a:xfrm>
-          <a:prstGeom prst="rect">
-            <a:avLst/>
-          </a:prstGeom>
-          <a:noFill/>
-        </p:spPr>
-        <p:txBody>
-          <a:bodyPr wrap="square" rtlCol="0">
-            <a:spAutoFit/>
-          </a:bodyPr>
-          <a:lstStyle/>
-          <a:p>
-            <a:r>
-              <a:rPr lang="en-US" altLang="zh-CN" dirty="0" smtClean="0"/>
-              <a:t>2.</a:t>
-            </a:r>
-            <a:r>
-              <a:rPr lang="zh-CN" altLang="en-US" dirty="0" smtClean="0"/>
-              <a:t>微信小程序</a:t>
-            </a:r>
-            <a:endParaRPr lang="zh-CN" altLang="en-US" dirty="0"/>
-          </a:p>
-        </p:txBody>
-      </p:sp>
-      <p:sp>
-        <p:nvSpPr>
-          <p:cNvPr id="8" name="平行四边形 7"/>
-          <p:cNvSpPr/>
-          <p:nvPr/>
-        </p:nvSpPr>
-        <p:spPr>
-          <a:xfrm>
-            <a:off x="1754756" y="2285256"/>
-            <a:ext cx="2539773" cy="846879"/>
-          </a:xfrm>
-          <a:prstGeom prst="parallelogram">
-            <a:avLst/>
-          </a:prstGeom>
-        </p:spPr>
-        <p:style>
-          <a:lnRef idx="1">
-            <a:schemeClr val="accent6"/>
-          </a:lnRef>
-          <a:fillRef idx="2">
-            <a:schemeClr val="accent6"/>
-          </a:fillRef>
-          <a:effectRef idx="1">
-            <a:schemeClr val="accent6"/>
-          </a:effectRef>
-          <a:fontRef idx="minor">
-            <a:schemeClr val="dk1"/>
-          </a:fontRef>
-        </p:style>
-        <p:txBody>
-          <a:bodyPr rtlCol="0" anchor="ctr"/>
-          <a:lstStyle/>
-          <a:p>
-            <a:pPr algn="ctr"/>
-            <a:endParaRPr lang="zh-CN" altLang="en-US"/>
-          </a:p>
-        </p:txBody>
-      </p:sp>
-      <p:sp>
-        <p:nvSpPr>
-          <p:cNvPr id="9" name="文本框 8"/>
-          <p:cNvSpPr txBox="1"/>
-          <p:nvPr/>
-        </p:nvSpPr>
-        <p:spPr>
-          <a:xfrm>
-            <a:off x="1894130" y="2446646"/>
-            <a:ext cx="2503917" cy="507831"/>
-          </a:xfrm>
-          <a:prstGeom prst="rect">
-            <a:avLst/>
-          </a:prstGeom>
-          <a:noFill/>
-        </p:spPr>
-        <p:txBody>
-          <a:bodyPr wrap="square" rtlCol="0">
-            <a:spAutoFit/>
-          </a:bodyPr>
-          <a:lstStyle/>
-          <a:p>
-            <a:pPr>
-              <a:lnSpc>
-                <a:spcPct val="150000"/>
-              </a:lnSpc>
-            </a:pPr>
-            <a:r>
-              <a:rPr lang="en-US" altLang="zh-CN" dirty="0"/>
-              <a:t>3.Vue</a:t>
-            </a:r>
-            <a:r>
-              <a:rPr lang="zh-CN" altLang="en-US" dirty="0"/>
-              <a:t>，</a:t>
-            </a:r>
-            <a:r>
-              <a:rPr lang="en-US" altLang="zh-CN" dirty="0" err="1"/>
-              <a:t>vueX</a:t>
-            </a:r>
-            <a:r>
-              <a:rPr lang="zh-CN" altLang="en-US" dirty="0"/>
-              <a:t>深入了解</a:t>
-            </a:r>
-            <a:endParaRPr lang="en-US" altLang="zh-CN" dirty="0"/>
-          </a:p>
-        </p:txBody>
-      </p:sp>
-      <p:sp>
-        <p:nvSpPr>
-          <p:cNvPr id="10" name="流程图: 可选过程 9"/>
-          <p:cNvSpPr/>
-          <p:nvPr/>
-        </p:nvSpPr>
-        <p:spPr>
-          <a:xfrm>
-            <a:off x="5046522" y="2167627"/>
-            <a:ext cx="2350093" cy="1010405"/>
-          </a:xfrm>
-          <a:prstGeom prst="flowChartAlternateProcess">
-            <a:avLst/>
-          </a:prstGeom>
-        </p:spPr>
-        <p:style>
-          <a:lnRef idx="1">
-            <a:schemeClr val="accent4"/>
-          </a:lnRef>
-          <a:fillRef idx="2">
-            <a:schemeClr val="accent4"/>
-          </a:fillRef>
-          <a:effectRef idx="1">
-            <a:schemeClr val="accent4"/>
-          </a:effectRef>
-          <a:fontRef idx="minor">
-            <a:schemeClr val="dk1"/>
-          </a:fontRef>
-        </p:style>
-        <p:txBody>
-          <a:bodyPr rtlCol="0" anchor="ctr"/>
-          <a:lstStyle/>
-          <a:p>
-            <a:pPr algn="ctr"/>
-            <a:endParaRPr lang="zh-CN" altLang="en-US"/>
-          </a:p>
-        </p:txBody>
-      </p:sp>
-      <p:sp>
-        <p:nvSpPr>
-          <p:cNvPr id="11" name="文本框 10"/>
-          <p:cNvSpPr txBox="1"/>
-          <p:nvPr/>
-        </p:nvSpPr>
-        <p:spPr>
-          <a:xfrm>
-            <a:off x="5460414" y="2335113"/>
-            <a:ext cx="1522307" cy="646331"/>
-          </a:xfrm>
-          <a:prstGeom prst="rect">
-            <a:avLst/>
-          </a:prstGeom>
-          <a:noFill/>
-        </p:spPr>
-        <p:txBody>
-          <a:bodyPr wrap="square" rtlCol="0">
-            <a:spAutoFit/>
-          </a:bodyPr>
-          <a:lstStyle/>
-          <a:p>
-            <a:r>
-              <a:rPr lang="en-US" altLang="zh-CN" dirty="0"/>
-              <a:t>4.</a:t>
-            </a:r>
-            <a:r>
-              <a:rPr lang="zh-CN" altLang="en-US" dirty="0"/>
-              <a:t>模板的巧用，组件的</a:t>
-            </a:r>
-            <a:r>
-              <a:rPr lang="zh-CN" altLang="en-US" dirty="0" smtClean="0"/>
-              <a:t>提取</a:t>
-            </a:r>
-            <a:endParaRPr lang="zh-CN" altLang="en-US" dirty="0"/>
-          </a:p>
-        </p:txBody>
-      </p:sp>
-    </p:spTree>
-    <p:extLst>
-      <p:ext uri="{BB962C8B-B14F-4D97-AF65-F5344CB8AC3E}">
-        <p14:creationId xmlns:p14="http://schemas.microsoft.com/office/powerpoint/2010/main" val="4096954458"/>
-      </p:ext>
-    </p:extLst>
-  </p:cSld>
-  <p:clrMapOvr>
-    <a:masterClrMapping/>
-  </p:clrMapOvr>
-  <p:timing>
-    <p:tnLst>
-      <p:par>
-        <p:cTn id="1" dur="indefinite" restart="never" nodeType="tmRoot">
-          <p:childTnLst>
-            <p:seq concurrent="1" nextAc="seek">
-              <p:cTn id="2" dur="indefinite" nodeType="mainSeq">
-                <p:childTnLst>
-                  <p:par>
-                    <p:cTn id="3" fill="hold">
-                      <p:stCondLst>
-                        <p:cond delay="indefinite"/>
-                      </p:stCondLst>
-                      <p:childTnLst>
-                        <p:par>
-                          <p:cTn id="4" fill="hold">
-                            <p:stCondLst>
-                              <p:cond delay="0"/>
-                            </p:stCondLst>
-                            <p:childTnLst>
-                              <p:par>
-                                <p:cTn id="5" presetID="22" presetClass="entr" presetSubtype="4" fill="hold" grpId="0" nodeType="clickEffect">
-                                  <p:stCondLst>
-                                    <p:cond delay="0"/>
-                                  </p:stCondLst>
-                                  <p:childTnLst>
-                                    <p:set>
-                                      <p:cBhvr>
-                                        <p:cTn id="6" dur="1" fill="hold">
-                                          <p:stCondLst>
-                                            <p:cond delay="0"/>
-                                          </p:stCondLst>
-                                        </p:cTn>
-                                        <p:tgtEl>
-                                          <p:spTgt spid="5"/>
-                                        </p:tgtEl>
-                                        <p:attrNameLst>
-                                          <p:attrName>style.visibility</p:attrName>
-                                        </p:attrNameLst>
-                                      </p:cBhvr>
-                                      <p:to>
-                                        <p:strVal val="visible"/>
-                                      </p:to>
-                                    </p:set>
-                                    <p:animEffect transition="in" filter="wipe(down)">
-                                      <p:cBhvr>
-                                        <p:cTn id="7" dur="500"/>
-                                        <p:tgtEl>
-                                          <p:spTgt spid="5"/>
-                                        </p:tgtEl>
-                                      </p:cBhvr>
-                                    </p:animEffect>
-                                  </p:childTnLst>
-                                </p:cTn>
-                              </p:par>
-                            </p:childTnLst>
-                          </p:cTn>
-                        </p:par>
-                      </p:childTnLst>
-                    </p:cTn>
-                  </p:par>
-                  <p:par>
-                    <p:cTn id="8" fill="hold">
-                      <p:stCondLst>
-                        <p:cond delay="indefinite"/>
-                      </p:stCondLst>
-                      <p:childTnLst>
-                        <p:par>
-                          <p:cTn id="9" fill="hold">
-                            <p:stCondLst>
-                              <p:cond delay="0"/>
-                            </p:stCondLst>
-                            <p:childTnLst>
-                              <p:par>
-                                <p:cTn id="10" presetID="16" presetClass="entr" presetSubtype="21" fill="hold" grpId="0" nodeType="clickEffect">
-                                  <p:stCondLst>
-                                    <p:cond delay="0"/>
-                                  </p:stCondLst>
-                                  <p:childTnLst>
-                                    <p:set>
-                                      <p:cBhvr>
-                                        <p:cTn id="11" dur="1" fill="hold">
-                                          <p:stCondLst>
-                                            <p:cond delay="0"/>
-                                          </p:stCondLst>
-                                        </p:cTn>
-                                        <p:tgtEl>
-                                          <p:spTgt spid="3"/>
-                                        </p:tgtEl>
-                                        <p:attrNameLst>
-                                          <p:attrName>style.visibility</p:attrName>
-                                        </p:attrNameLst>
-                                      </p:cBhvr>
-                                      <p:to>
-                                        <p:strVal val="visible"/>
-                                      </p:to>
-                                    </p:set>
-                                    <p:animEffect transition="in" filter="barn(inVertical)">
-                                      <p:cBhvr>
-                                        <p:cTn id="12" dur="500"/>
-                                        <p:tgtEl>
-                                          <p:spTgt spid="3"/>
-                                        </p:tgtEl>
-                                      </p:cBhvr>
-                                    </p:animEffect>
-                                  </p:childTnLst>
-                                </p:cTn>
-                              </p:par>
-                              <p:par>
-                                <p:cTn id="13" presetID="16" presetClass="entr" presetSubtype="21" fill="hold" grpId="0" nodeType="withEffect">
-                                  <p:stCondLst>
-                                    <p:cond delay="0"/>
-                                  </p:stCondLst>
-                                  <p:childTnLst>
-                                    <p:set>
-                                      <p:cBhvr>
-                                        <p:cTn id="14" dur="1" fill="hold">
-                                          <p:stCondLst>
-                                            <p:cond delay="0"/>
-                                          </p:stCondLst>
-                                        </p:cTn>
-                                        <p:tgtEl>
-                                          <p:spTgt spid="4"/>
-                                        </p:tgtEl>
-                                        <p:attrNameLst>
-                                          <p:attrName>style.visibility</p:attrName>
-                                        </p:attrNameLst>
-                                      </p:cBhvr>
-                                      <p:to>
-                                        <p:strVal val="visible"/>
-                                      </p:to>
-                                    </p:set>
-                                    <p:animEffect transition="in" filter="barn(inVertical)">
-                                      <p:cBhvr>
-                                        <p:cTn id="15" dur="500"/>
-                                        <p:tgtEl>
-                                          <p:spTgt spid="4"/>
-                                        </p:tgtEl>
-                                      </p:cBhvr>
-                                    </p:animEffect>
-                                  </p:childTnLst>
-                                </p:cTn>
-                              </p:par>
-                            </p:childTnLst>
-                          </p:cTn>
-                        </p:par>
-                      </p:childTnLst>
-                    </p:cTn>
-                  </p:par>
-                  <p:par>
-                    <p:cTn id="16" fill="hold">
-                      <p:stCondLst>
-                        <p:cond delay="indefinite"/>
-                      </p:stCondLst>
-                      <p:childTnLst>
-                        <p:par>
-                          <p:cTn id="17" fill="hold">
-                            <p:stCondLst>
-                              <p:cond delay="0"/>
-                            </p:stCondLst>
-                            <p:childTnLst>
-                              <p:par>
-                                <p:cTn id="18" presetID="22" presetClass="entr" presetSubtype="4" fill="hold" grpId="0" nodeType="clickEffect">
-                                  <p:stCondLst>
-                                    <p:cond delay="0"/>
-                                  </p:stCondLst>
-                                  <p:childTnLst>
-                                    <p:set>
-                                      <p:cBhvr>
-                                        <p:cTn id="19" dur="1" fill="hold">
-                                          <p:stCondLst>
-                                            <p:cond delay="0"/>
-                                          </p:stCondLst>
-                                        </p:cTn>
-                                        <p:tgtEl>
-                                          <p:spTgt spid="6"/>
-                                        </p:tgtEl>
-                                        <p:attrNameLst>
-                                          <p:attrName>style.visibility</p:attrName>
-                                        </p:attrNameLst>
-                                      </p:cBhvr>
-                                      <p:to>
-                                        <p:strVal val="visible"/>
-                                      </p:to>
-                                    </p:set>
-                                    <p:animEffect transition="in" filter="wipe(down)">
-                                      <p:cBhvr>
-                                        <p:cTn id="20" dur="500"/>
-                                        <p:tgtEl>
-                                          <p:spTgt spid="6"/>
-                                        </p:tgtEl>
-                                      </p:cBhvr>
-                                    </p:animEffect>
-                                  </p:childTnLst>
-                                </p:cTn>
-                              </p:par>
-                              <p:par>
-                                <p:cTn id="21" presetID="22" presetClass="entr" presetSubtype="4" fill="hold" grpId="0" nodeType="withEffect">
-                                  <p:stCondLst>
-                                    <p:cond delay="0"/>
-                                  </p:stCondLst>
-                                  <p:childTnLst>
-                                    <p:set>
-                                      <p:cBhvr>
-                                        <p:cTn id="22" dur="1" fill="hold">
-                                          <p:stCondLst>
-                                            <p:cond delay="0"/>
-                                          </p:stCondLst>
-                                        </p:cTn>
-                                        <p:tgtEl>
-                                          <p:spTgt spid="7"/>
-                                        </p:tgtEl>
-                                        <p:attrNameLst>
-                                          <p:attrName>style.visibility</p:attrName>
-                                        </p:attrNameLst>
-                                      </p:cBhvr>
-                                      <p:to>
-                                        <p:strVal val="visible"/>
-                                      </p:to>
-                                    </p:set>
-                                    <p:animEffect transition="in" filter="wipe(down)">
-                                      <p:cBhvr>
-                                        <p:cTn id="23" dur="500"/>
-                                        <p:tgtEl>
-                                          <p:spTgt spid="7"/>
-                                        </p:tgtEl>
-                                      </p:cBhvr>
-                                    </p:animEffect>
-                                  </p:childTnLst>
-                                </p:cTn>
-                              </p:par>
-                            </p:childTnLst>
-                          </p:cTn>
-                        </p:par>
-                      </p:childTnLst>
-                    </p:cTn>
-                  </p:par>
-                  <p:par>
-                    <p:cTn id="24" fill="hold">
-                      <p:stCondLst>
-                        <p:cond delay="indefinite"/>
-                      </p:stCondLst>
-                      <p:childTnLst>
-                        <p:par>
-                          <p:cTn id="25" fill="hold">
-                            <p:stCondLst>
-                              <p:cond delay="0"/>
-                            </p:stCondLst>
-                            <p:childTnLst>
-                              <p:par>
-                                <p:cTn id="26" presetID="21" presetClass="entr" presetSubtype="1" fill="hold" grpId="0" nodeType="clickEffect">
-                                  <p:stCondLst>
-                                    <p:cond delay="0"/>
-                                  </p:stCondLst>
-                                  <p:childTnLst>
-                                    <p:set>
-                                      <p:cBhvr>
-                                        <p:cTn id="27" dur="1" fill="hold">
-                                          <p:stCondLst>
-                                            <p:cond delay="0"/>
-                                          </p:stCondLst>
-                                        </p:cTn>
-                                        <p:tgtEl>
-                                          <p:spTgt spid="8"/>
-                                        </p:tgtEl>
-                                        <p:attrNameLst>
-                                          <p:attrName>style.visibility</p:attrName>
-                                        </p:attrNameLst>
-                                      </p:cBhvr>
-                                      <p:to>
-                                        <p:strVal val="visible"/>
-                                      </p:to>
-                                    </p:set>
-                                    <p:animEffect transition="in" filter="wheel(1)">
-                                      <p:cBhvr>
-                                        <p:cTn id="28" dur="2000"/>
-                                        <p:tgtEl>
-                                          <p:spTgt spid="8"/>
-                                        </p:tgtEl>
-                                      </p:cBhvr>
-                                    </p:animEffect>
-                                  </p:childTnLst>
-                                </p:cTn>
-                              </p:par>
-                              <p:par>
-                                <p:cTn id="29" presetID="21" presetClass="entr" presetSubtype="1" fill="hold" grpId="0" nodeType="withEffect">
-                                  <p:stCondLst>
-                                    <p:cond delay="0"/>
-                                  </p:stCondLst>
-                                  <p:childTnLst>
-                                    <p:set>
-                                      <p:cBhvr>
-                                        <p:cTn id="30" dur="1" fill="hold">
-                                          <p:stCondLst>
-                                            <p:cond delay="0"/>
-                                          </p:stCondLst>
-                                        </p:cTn>
-                                        <p:tgtEl>
-                                          <p:spTgt spid="9"/>
-                                        </p:tgtEl>
-                                        <p:attrNameLst>
-                                          <p:attrName>style.visibility</p:attrName>
-                                        </p:attrNameLst>
-                                      </p:cBhvr>
-                                      <p:to>
-                                        <p:strVal val="visible"/>
-                                      </p:to>
-                                    </p:set>
-                                    <p:animEffect transition="in" filter="wheel(1)">
-                                      <p:cBhvr>
-                                        <p:cTn id="31" dur="2000"/>
-                                        <p:tgtEl>
-                                          <p:spTgt spid="9"/>
-                                        </p:tgtEl>
-                                      </p:cBhvr>
-                                    </p:animEffect>
-                                  </p:childTnLst>
-                                </p:cTn>
-                              </p:par>
-                              <p:par>
-                                <p:cTn id="32" presetID="14" presetClass="entr" presetSubtype="10" fill="hold" grpId="0" nodeType="withEffect">
-                                  <p:stCondLst>
-                                    <p:cond delay="0"/>
-                                  </p:stCondLst>
-                                  <p:childTnLst>
-                                    <p:set>
-                                      <p:cBhvr>
-                                        <p:cTn id="33" dur="1" fill="hold">
-                                          <p:stCondLst>
-                                            <p:cond delay="0"/>
-                                          </p:stCondLst>
-                                        </p:cTn>
-                                        <p:tgtEl>
-                                          <p:spTgt spid="11"/>
-                                        </p:tgtEl>
-                                        <p:attrNameLst>
-                                          <p:attrName>style.visibility</p:attrName>
-                                        </p:attrNameLst>
-                                      </p:cBhvr>
-                                      <p:to>
-                                        <p:strVal val="visible"/>
-                                      </p:to>
-                                    </p:set>
-                                    <p:animEffect transition="in" filter="randombar(horizontal)">
-                                      <p:cBhvr>
-                                        <p:cTn id="34" dur="500"/>
-                                        <p:tgtEl>
-                                          <p:spTgt spid="11"/>
-                                        </p:tgtEl>
-                                      </p:cBhvr>
-                                    </p:animEffect>
-                                  </p:childTnLst>
-                                </p:cTn>
-                              </p:par>
-                            </p:childTnLst>
-                          </p:cTn>
-                        </p:par>
-                      </p:childTnLst>
-                    </p:cTn>
-                  </p:par>
-                  <p:par>
-                    <p:cTn id="35" fill="hold">
-                      <p:stCondLst>
-                        <p:cond delay="indefinite"/>
-                      </p:stCondLst>
-                      <p:childTnLst>
-                        <p:par>
-                          <p:cTn id="36" fill="hold">
-                            <p:stCondLst>
-                              <p:cond delay="0"/>
-                            </p:stCondLst>
-                            <p:childTnLst>
-                              <p:par>
-                                <p:cTn id="37" presetID="42" presetClass="entr" presetSubtype="0" fill="hold" grpId="0" nodeType="clickEffect">
-                                  <p:stCondLst>
-                                    <p:cond delay="0"/>
-                                  </p:stCondLst>
-                                  <p:childTnLst>
-                                    <p:set>
-                                      <p:cBhvr>
-                                        <p:cTn id="38" dur="1" fill="hold">
-                                          <p:stCondLst>
-                                            <p:cond delay="0"/>
-                                          </p:stCondLst>
-                                        </p:cTn>
-                                        <p:tgtEl>
-                                          <p:spTgt spid="2"/>
-                                        </p:tgtEl>
-                                        <p:attrNameLst>
-                                          <p:attrName>style.visibility</p:attrName>
-                                        </p:attrNameLst>
-                                      </p:cBhvr>
-                                      <p:to>
-                                        <p:strVal val="visible"/>
-                                      </p:to>
-                                    </p:set>
-                                    <p:animEffect transition="in" filter="fade">
-                                      <p:cBhvr>
-                                        <p:cTn id="39" dur="1000"/>
-                                        <p:tgtEl>
-                                          <p:spTgt spid="2"/>
-                                        </p:tgtEl>
-                                      </p:cBhvr>
-                                    </p:animEffect>
-                                    <p:anim calcmode="lin" valueType="num">
-                                      <p:cBhvr>
-                                        <p:cTn id="40" dur="1000" fill="hold"/>
-                                        <p:tgtEl>
-                                          <p:spTgt spid="2"/>
-                                        </p:tgtEl>
-                                        <p:attrNameLst>
-                                          <p:attrName>ppt_x</p:attrName>
-                                        </p:attrNameLst>
-                                      </p:cBhvr>
-                                      <p:tavLst>
-                                        <p:tav tm="0">
-                                          <p:val>
-                                            <p:strVal val="#ppt_x"/>
-                                          </p:val>
-                                        </p:tav>
-                                        <p:tav tm="100000">
-                                          <p:val>
-                                            <p:strVal val="#ppt_x"/>
-                                          </p:val>
-                                        </p:tav>
-                                      </p:tavLst>
-                                    </p:anim>
-                                    <p:anim calcmode="lin" valueType="num">
-                                      <p:cBhvr>
-                                        <p:cTn id="41" dur="1000" fill="hold"/>
-                                        <p:tgtEl>
-                                          <p:spTgt spid="2"/>
-                                        </p:tgtEl>
-                                        <p:attrNameLst>
-                                          <p:attrName>ppt_y</p:attrName>
-                                        </p:attrNameLst>
-                                      </p:cBhvr>
-                                      <p:tavLst>
-                                        <p:tav tm="0">
-                                          <p:val>
-                                            <p:strVal val="#ppt_y+.1"/>
-                                          </p:val>
-                                        </p:tav>
-                                        <p:tav tm="100000">
-                                          <p:val>
-                                            <p:strVal val="#ppt_y"/>
-                                          </p:val>
-                                        </p:tav>
-                                      </p:tavLst>
-                                    </p:anim>
-                                  </p:childTnLst>
-                                </p:cTn>
-                              </p:par>
-                            </p:childTnLst>
-                          </p:cTn>
-                        </p:par>
-                      </p:childTnLst>
-                    </p:cTn>
-                  </p:par>
-                </p:childTnLst>
-              </p:cTn>
-              <p:prevCondLst>
-                <p:cond evt="onPrev" delay="0">
-                  <p:tgtEl>
-                    <p:sldTgt/>
-                  </p:tgtEl>
-                </p:cond>
-              </p:prevCondLst>
-              <p:nextCondLst>
-                <p:cond evt="onNext" delay="0">
-                  <p:tgtEl>
-                    <p:sldTgt/>
-                  </p:tgtEl>
-                </p:cond>
-              </p:nextCondLst>
-            </p:seq>
-          </p:childTnLst>
-        </p:cTn>
-      </p:par>
-    </p:tnLst>
-    <p:bldLst>
-      <p:bldP spid="2" grpId="0"/>
-      <p:bldP spid="5" grpId="0"/>
-      <p:bldP spid="3" grpId="0" animBg="1"/>
-      <p:bldP spid="4" grpId="0"/>
-      <p:bldP spid="6" grpId="0" animBg="1"/>
-      <p:bldP spid="7" grpId="0"/>
-      <p:bldP spid="8" grpId="0" animBg="1"/>
-      <p:bldP spid="9" grpId="0"/>
-      <p:bldP spid="11" grpId="0"/>
-    </p:bldLst>
-  </p:timing>
-</p:sld>
-</file>
-
-<file path=ppt/slides/slide5.xml><?xml version="1.0" encoding="utf-8"?>
-<p:sld xmlns:a="http://schemas.openxmlformats.org/drawingml/2006/main" xmlns:r="http://schemas.openxmlformats.org/officeDocument/2006/relationships" xmlns:p="http://schemas.openxmlformats.org/presentationml/2006/main">
-  <p:cSld>
-    <p:spTree>
-      <p:nvGrpSpPr>
-        <p:cNvPr id="1" name=""/>
-        <p:cNvGrpSpPr/>
-        <p:nvPr/>
-      </p:nvGrpSpPr>
-      <p:grpSpPr>
-        <a:xfrm>
-          <a:off x="0" y="0"/>
-          <a:ext cx="0" cy="0"/>
-          <a:chOff x="0" y="0"/>
-          <a:chExt cx="0" cy="0"/>
-        </a:xfrm>
-      </p:grpSpPr>
       <p:sp>
         <p:nvSpPr>
           <p:cNvPr id="17410" name="标题 3"/>
@@ -8752,7 +7580,6 @@
               <a:rPr lang="zh-CN" altLang="en-US" dirty="0"/>
               <a:t>站</a:t>
             </a:r>
-            <a:endParaRPr lang="zh-CN" altLang="en-US" dirty="0"/>
           </a:p>
         </p:txBody>
       </p:sp>
@@ -9376,6 +8203,1057 @@
 </p:sld>
 </file>
 
+<file path=ppt/slides/slide5.xml><?xml version="1.0" encoding="utf-8"?>
+<p:sld xmlns:a="http://schemas.openxmlformats.org/drawingml/2006/main" xmlns:r="http://schemas.openxmlformats.org/officeDocument/2006/relationships" xmlns:p="http://schemas.openxmlformats.org/presentationml/2006/main">
+  <p:cSld>
+    <p:spTree>
+      <p:nvGrpSpPr>
+        <p:cNvPr id="1" name=""/>
+        <p:cNvGrpSpPr/>
+        <p:nvPr/>
+      </p:nvGrpSpPr>
+      <p:grpSpPr>
+        <a:xfrm>
+          <a:off x="0" y="0"/>
+          <a:ext cx="0" cy="0"/>
+          <a:chOff x="0" y="0"/>
+          <a:chExt cx="0" cy="0"/>
+        </a:xfrm>
+      </p:grpSpPr>
+      <p:pic>
+        <p:nvPicPr>
+          <p:cNvPr id="17411" name="图片 3" descr="PPT-03.jpg"/>
+          <p:cNvPicPr>
+            <a:picLocks noChangeAspect="1"/>
+          </p:cNvPicPr>
+          <p:nvPr/>
+        </p:nvPicPr>
+        <p:blipFill>
+          <a:blip r:embed="rId2"/>
+          <a:srcRect/>
+          <a:stretch>
+            <a:fillRect/>
+          </a:stretch>
+        </p:blipFill>
+        <p:spPr bwMode="auto">
+          <a:xfrm>
+            <a:off x="0" y="9039"/>
+            <a:ext cx="9286875" cy="6858000"/>
+          </a:xfrm>
+          <a:prstGeom prst="rect">
+            <a:avLst/>
+          </a:prstGeom>
+          <a:noFill/>
+          <a:ln w="9525">
+            <a:noFill/>
+            <a:miter lim="800000"/>
+            <a:headEnd/>
+            <a:tailEnd/>
+          </a:ln>
+        </p:spPr>
+      </p:pic>
+      <p:sp>
+        <p:nvSpPr>
+          <p:cNvPr id="2" name="文本框 1"/>
+          <p:cNvSpPr txBox="1"/>
+          <p:nvPr/>
+        </p:nvSpPr>
+        <p:spPr>
+          <a:xfrm>
+            <a:off x="457200" y="3338854"/>
+            <a:ext cx="6947731" cy="2308324"/>
+          </a:xfrm>
+          <a:prstGeom prst="rect">
+            <a:avLst/>
+          </a:prstGeom>
+          <a:noFill/>
+        </p:spPr>
+        <p:txBody>
+          <a:bodyPr wrap="square" rtlCol="0">
+            <a:spAutoFit/>
+          </a:bodyPr>
+          <a:lstStyle/>
+          <a:p>
+            <a:pPr>
+              <a:lnSpc>
+                <a:spcPct val="150000"/>
+              </a:lnSpc>
+            </a:pPr>
+            <a:r>
+              <a:rPr lang="zh-CN" altLang="en-US" sz="2400" b="1" dirty="0" smtClean="0"/>
+              <a:t>个人收获：</a:t>
+            </a:r>
+            <a:endParaRPr lang="en-US" altLang="zh-CN" sz="2400" b="1" dirty="0" smtClean="0"/>
+          </a:p>
+          <a:p>
+            <a:pPr>
+              <a:lnSpc>
+                <a:spcPct val="150000"/>
+              </a:lnSpc>
+            </a:pPr>
+            <a:r>
+              <a:rPr lang="en-US" altLang="zh-CN" dirty="0" smtClean="0"/>
+              <a:t>1.</a:t>
+            </a:r>
+            <a:r>
+              <a:rPr lang="zh-CN" altLang="en-US" dirty="0" smtClean="0"/>
+              <a:t>代码的规范，代码不仅是让自己看得懂，还要让别人也看懂。</a:t>
+            </a:r>
+            <a:endParaRPr lang="en-US" altLang="zh-CN" dirty="0" smtClean="0"/>
+          </a:p>
+          <a:p>
+            <a:pPr>
+              <a:lnSpc>
+                <a:spcPct val="150000"/>
+              </a:lnSpc>
+            </a:pPr>
+            <a:r>
+              <a:rPr lang="en-US" altLang="zh-CN" dirty="0" smtClean="0"/>
+              <a:t>2.</a:t>
+            </a:r>
+            <a:r>
+              <a:rPr lang="zh-CN" altLang="en-US" dirty="0" smtClean="0"/>
+              <a:t>开发前的流程梳理与从大到小开发的步骤</a:t>
+            </a:r>
+            <a:endParaRPr lang="en-US" altLang="zh-CN" dirty="0" smtClean="0"/>
+          </a:p>
+          <a:p>
+            <a:pPr>
+              <a:lnSpc>
+                <a:spcPct val="150000"/>
+              </a:lnSpc>
+            </a:pPr>
+            <a:r>
+              <a:rPr lang="en-US" altLang="zh-CN" dirty="0" smtClean="0"/>
+              <a:t>3.</a:t>
+            </a:r>
+            <a:r>
+              <a:rPr lang="zh-CN" altLang="en-US" dirty="0" smtClean="0"/>
+              <a:t>不仅是写代码，还要会生活。</a:t>
+            </a:r>
+            <a:endParaRPr lang="en-US" altLang="zh-CN" dirty="0" smtClean="0"/>
+          </a:p>
+          <a:p>
+            <a:pPr>
+              <a:lnSpc>
+                <a:spcPct val="150000"/>
+              </a:lnSpc>
+            </a:pPr>
+            <a:r>
+              <a:rPr lang="en-US" altLang="zh-CN" dirty="0" smtClean="0"/>
+              <a:t>4.</a:t>
+            </a:r>
+            <a:r>
+              <a:rPr lang="zh-CN" altLang="en-US" dirty="0" smtClean="0"/>
+              <a:t>一群志同道合的小伙伴</a:t>
+            </a:r>
+            <a:endParaRPr lang="zh-CN" altLang="en-US" dirty="0"/>
+          </a:p>
+        </p:txBody>
+      </p:sp>
+      <p:sp>
+        <p:nvSpPr>
+          <p:cNvPr id="5" name="文本框 4"/>
+          <p:cNvSpPr txBox="1"/>
+          <p:nvPr/>
+        </p:nvSpPr>
+        <p:spPr>
+          <a:xfrm>
+            <a:off x="457198" y="368429"/>
+            <a:ext cx="6947731" cy="583108"/>
+          </a:xfrm>
+          <a:prstGeom prst="rect">
+            <a:avLst/>
+          </a:prstGeom>
+          <a:noFill/>
+        </p:spPr>
+        <p:txBody>
+          <a:bodyPr wrap="square" rtlCol="0">
+            <a:spAutoFit/>
+          </a:bodyPr>
+          <a:lstStyle/>
+          <a:p>
+            <a:pPr>
+              <a:lnSpc>
+                <a:spcPct val="150000"/>
+              </a:lnSpc>
+            </a:pPr>
+            <a:r>
+              <a:rPr lang="zh-CN" altLang="en-US" sz="2400" b="1" dirty="0" smtClean="0"/>
+              <a:t>技术方面：</a:t>
+            </a:r>
+          </a:p>
+        </p:txBody>
+      </p:sp>
+      <p:sp>
+        <p:nvSpPr>
+          <p:cNvPr id="3" name="椭圆 2"/>
+          <p:cNvSpPr/>
+          <p:nvPr/>
+        </p:nvSpPr>
+        <p:spPr>
+          <a:xfrm>
+            <a:off x="931492" y="990503"/>
+            <a:ext cx="1880074" cy="959661"/>
+          </a:xfrm>
+          <a:prstGeom prst="ellipse">
+            <a:avLst/>
+          </a:prstGeom>
+        </p:spPr>
+        <p:style>
+          <a:lnRef idx="1">
+            <a:schemeClr val="accent3"/>
+          </a:lnRef>
+          <a:fillRef idx="2">
+            <a:schemeClr val="accent3"/>
+          </a:fillRef>
+          <a:effectRef idx="1">
+            <a:schemeClr val="accent3"/>
+          </a:effectRef>
+          <a:fontRef idx="minor">
+            <a:schemeClr val="dk1"/>
+          </a:fontRef>
+        </p:style>
+        <p:txBody>
+          <a:bodyPr rtlCol="0" anchor="ctr"/>
+          <a:lstStyle/>
+          <a:p>
+            <a:pPr algn="ctr"/>
+            <a:endParaRPr lang="zh-CN" altLang="en-US"/>
+          </a:p>
+        </p:txBody>
+      </p:sp>
+      <p:sp>
+        <p:nvSpPr>
+          <p:cNvPr id="4" name="文本框 3"/>
+          <p:cNvSpPr txBox="1"/>
+          <p:nvPr/>
+        </p:nvSpPr>
+        <p:spPr>
+          <a:xfrm>
+            <a:off x="1008244" y="1182189"/>
+            <a:ext cx="1948437" cy="507831"/>
+          </a:xfrm>
+          <a:prstGeom prst="rect">
+            <a:avLst/>
+          </a:prstGeom>
+          <a:noFill/>
+        </p:spPr>
+        <p:txBody>
+          <a:bodyPr wrap="square" rtlCol="0">
+            <a:spAutoFit/>
+          </a:bodyPr>
+          <a:lstStyle/>
+          <a:p>
+            <a:pPr>
+              <a:lnSpc>
+                <a:spcPct val="150000"/>
+              </a:lnSpc>
+            </a:pPr>
+            <a:r>
+              <a:rPr lang="en-US" altLang="zh-CN" dirty="0"/>
+              <a:t>1.</a:t>
+            </a:r>
+            <a:r>
+              <a:rPr lang="zh-CN" altLang="en-US" dirty="0"/>
+              <a:t>微信验证登录。</a:t>
+            </a:r>
+            <a:endParaRPr lang="en-US" altLang="zh-CN" dirty="0"/>
+          </a:p>
+        </p:txBody>
+      </p:sp>
+      <p:sp>
+        <p:nvSpPr>
+          <p:cNvPr id="6" name="矩形 5"/>
+          <p:cNvSpPr/>
+          <p:nvPr/>
+        </p:nvSpPr>
+        <p:spPr>
+          <a:xfrm>
+            <a:off x="3896996" y="1027950"/>
+            <a:ext cx="2042449" cy="868673"/>
+          </a:xfrm>
+          <a:prstGeom prst="rect">
+            <a:avLst/>
+          </a:prstGeom>
+        </p:spPr>
+        <p:style>
+          <a:lnRef idx="1">
+            <a:schemeClr val="accent5"/>
+          </a:lnRef>
+          <a:fillRef idx="2">
+            <a:schemeClr val="accent5"/>
+          </a:fillRef>
+          <a:effectRef idx="1">
+            <a:schemeClr val="accent5"/>
+          </a:effectRef>
+          <a:fontRef idx="minor">
+            <a:schemeClr val="dk1"/>
+          </a:fontRef>
+        </p:style>
+        <p:txBody>
+          <a:bodyPr rtlCol="0" anchor="ctr"/>
+          <a:lstStyle/>
+          <a:p>
+            <a:pPr algn="ctr"/>
+            <a:endParaRPr lang="zh-CN" altLang="en-US"/>
+          </a:p>
+        </p:txBody>
+      </p:sp>
+      <p:sp>
+        <p:nvSpPr>
+          <p:cNvPr id="7" name="文本框 6"/>
+          <p:cNvSpPr txBox="1"/>
+          <p:nvPr/>
+        </p:nvSpPr>
+        <p:spPr>
+          <a:xfrm>
+            <a:off x="4089286" y="1277620"/>
+            <a:ext cx="1777529" cy="369332"/>
+          </a:xfrm>
+          <a:prstGeom prst="rect">
+            <a:avLst/>
+          </a:prstGeom>
+          <a:noFill/>
+        </p:spPr>
+        <p:txBody>
+          <a:bodyPr wrap="square" rtlCol="0">
+            <a:spAutoFit/>
+          </a:bodyPr>
+          <a:lstStyle/>
+          <a:p>
+            <a:r>
+              <a:rPr lang="en-US" altLang="zh-CN" dirty="0" smtClean="0"/>
+              <a:t>2.</a:t>
+            </a:r>
+            <a:r>
+              <a:rPr lang="zh-CN" altLang="en-US" dirty="0" smtClean="0"/>
+              <a:t>微信小程序</a:t>
+            </a:r>
+            <a:endParaRPr lang="zh-CN" altLang="en-US" dirty="0"/>
+          </a:p>
+        </p:txBody>
+      </p:sp>
+      <p:sp>
+        <p:nvSpPr>
+          <p:cNvPr id="8" name="平行四边形 7"/>
+          <p:cNvSpPr/>
+          <p:nvPr/>
+        </p:nvSpPr>
+        <p:spPr>
+          <a:xfrm>
+            <a:off x="1754756" y="2285256"/>
+            <a:ext cx="2539773" cy="846879"/>
+          </a:xfrm>
+          <a:prstGeom prst="parallelogram">
+            <a:avLst/>
+          </a:prstGeom>
+        </p:spPr>
+        <p:style>
+          <a:lnRef idx="1">
+            <a:schemeClr val="accent6"/>
+          </a:lnRef>
+          <a:fillRef idx="2">
+            <a:schemeClr val="accent6"/>
+          </a:fillRef>
+          <a:effectRef idx="1">
+            <a:schemeClr val="accent6"/>
+          </a:effectRef>
+          <a:fontRef idx="minor">
+            <a:schemeClr val="dk1"/>
+          </a:fontRef>
+        </p:style>
+        <p:txBody>
+          <a:bodyPr rtlCol="0" anchor="ctr"/>
+          <a:lstStyle/>
+          <a:p>
+            <a:pPr algn="ctr"/>
+            <a:endParaRPr lang="zh-CN" altLang="en-US"/>
+          </a:p>
+        </p:txBody>
+      </p:sp>
+      <p:sp>
+        <p:nvSpPr>
+          <p:cNvPr id="9" name="文本框 8"/>
+          <p:cNvSpPr txBox="1"/>
+          <p:nvPr/>
+        </p:nvSpPr>
+        <p:spPr>
+          <a:xfrm>
+            <a:off x="1894130" y="2446646"/>
+            <a:ext cx="2503917" cy="507831"/>
+          </a:xfrm>
+          <a:prstGeom prst="rect">
+            <a:avLst/>
+          </a:prstGeom>
+          <a:noFill/>
+        </p:spPr>
+        <p:txBody>
+          <a:bodyPr wrap="square" rtlCol="0">
+            <a:spAutoFit/>
+          </a:bodyPr>
+          <a:lstStyle/>
+          <a:p>
+            <a:pPr>
+              <a:lnSpc>
+                <a:spcPct val="150000"/>
+              </a:lnSpc>
+            </a:pPr>
+            <a:r>
+              <a:rPr lang="en-US" altLang="zh-CN" dirty="0"/>
+              <a:t>3.Vue</a:t>
+            </a:r>
+            <a:r>
+              <a:rPr lang="zh-CN" altLang="en-US" dirty="0"/>
+              <a:t>，</a:t>
+            </a:r>
+            <a:r>
+              <a:rPr lang="en-US" altLang="zh-CN" dirty="0" err="1"/>
+              <a:t>vueX</a:t>
+            </a:r>
+            <a:r>
+              <a:rPr lang="zh-CN" altLang="en-US" dirty="0"/>
+              <a:t>深入了解</a:t>
+            </a:r>
+            <a:endParaRPr lang="en-US" altLang="zh-CN" dirty="0"/>
+          </a:p>
+        </p:txBody>
+      </p:sp>
+      <p:sp>
+        <p:nvSpPr>
+          <p:cNvPr id="10" name="流程图: 可选过程 9"/>
+          <p:cNvSpPr/>
+          <p:nvPr/>
+        </p:nvSpPr>
+        <p:spPr>
+          <a:xfrm>
+            <a:off x="5046522" y="2167627"/>
+            <a:ext cx="2350093" cy="1010405"/>
+          </a:xfrm>
+          <a:prstGeom prst="flowChartAlternateProcess">
+            <a:avLst/>
+          </a:prstGeom>
+        </p:spPr>
+        <p:style>
+          <a:lnRef idx="1">
+            <a:schemeClr val="accent4"/>
+          </a:lnRef>
+          <a:fillRef idx="2">
+            <a:schemeClr val="accent4"/>
+          </a:fillRef>
+          <a:effectRef idx="1">
+            <a:schemeClr val="accent4"/>
+          </a:effectRef>
+          <a:fontRef idx="minor">
+            <a:schemeClr val="dk1"/>
+          </a:fontRef>
+        </p:style>
+        <p:txBody>
+          <a:bodyPr rtlCol="0" anchor="ctr"/>
+          <a:lstStyle/>
+          <a:p>
+            <a:pPr algn="ctr"/>
+            <a:endParaRPr lang="zh-CN" altLang="en-US"/>
+          </a:p>
+        </p:txBody>
+      </p:sp>
+      <p:sp>
+        <p:nvSpPr>
+          <p:cNvPr id="11" name="文本框 10"/>
+          <p:cNvSpPr txBox="1"/>
+          <p:nvPr/>
+        </p:nvSpPr>
+        <p:spPr>
+          <a:xfrm>
+            <a:off x="5460414" y="2335113"/>
+            <a:ext cx="1522307" cy="646331"/>
+          </a:xfrm>
+          <a:prstGeom prst="rect">
+            <a:avLst/>
+          </a:prstGeom>
+          <a:noFill/>
+        </p:spPr>
+        <p:txBody>
+          <a:bodyPr wrap="square" rtlCol="0">
+            <a:spAutoFit/>
+          </a:bodyPr>
+          <a:lstStyle/>
+          <a:p>
+            <a:r>
+              <a:rPr lang="en-US" altLang="zh-CN" dirty="0"/>
+              <a:t>4.</a:t>
+            </a:r>
+            <a:r>
+              <a:rPr lang="zh-CN" altLang="en-US" dirty="0"/>
+              <a:t>模板的巧用，组件的</a:t>
+            </a:r>
+            <a:r>
+              <a:rPr lang="zh-CN" altLang="en-US" dirty="0" smtClean="0"/>
+              <a:t>提取</a:t>
+            </a:r>
+            <a:endParaRPr lang="zh-CN" altLang="en-US" dirty="0"/>
+          </a:p>
+        </p:txBody>
+      </p:sp>
+    </p:spTree>
+    <p:extLst>
+      <p:ext uri="{BB962C8B-B14F-4D97-AF65-F5344CB8AC3E}">
+        <p14:creationId xmlns:p14="http://schemas.microsoft.com/office/powerpoint/2010/main" val="4096954458"/>
+      </p:ext>
+    </p:extLst>
+  </p:cSld>
+  <p:clrMapOvr>
+    <a:masterClrMapping/>
+  </p:clrMapOvr>
+  <p:timing>
+    <p:tnLst>
+      <p:par>
+        <p:cTn id="1" dur="indefinite" restart="never" nodeType="tmRoot">
+          <p:childTnLst>
+            <p:seq concurrent="1" nextAc="seek">
+              <p:cTn id="2" dur="indefinite" nodeType="mainSeq">
+                <p:childTnLst>
+                  <p:par>
+                    <p:cTn id="3" fill="hold">
+                      <p:stCondLst>
+                        <p:cond delay="indefinite"/>
+                      </p:stCondLst>
+                      <p:childTnLst>
+                        <p:par>
+                          <p:cTn id="4" fill="hold">
+                            <p:stCondLst>
+                              <p:cond delay="0"/>
+                            </p:stCondLst>
+                            <p:childTnLst>
+                              <p:par>
+                                <p:cTn id="5" presetID="22" presetClass="entr" presetSubtype="4" fill="hold" grpId="0" nodeType="clickEffect">
+                                  <p:stCondLst>
+                                    <p:cond delay="0"/>
+                                  </p:stCondLst>
+                                  <p:childTnLst>
+                                    <p:set>
+                                      <p:cBhvr>
+                                        <p:cTn id="6" dur="1" fill="hold">
+                                          <p:stCondLst>
+                                            <p:cond delay="0"/>
+                                          </p:stCondLst>
+                                        </p:cTn>
+                                        <p:tgtEl>
+                                          <p:spTgt spid="5"/>
+                                        </p:tgtEl>
+                                        <p:attrNameLst>
+                                          <p:attrName>style.visibility</p:attrName>
+                                        </p:attrNameLst>
+                                      </p:cBhvr>
+                                      <p:to>
+                                        <p:strVal val="visible"/>
+                                      </p:to>
+                                    </p:set>
+                                    <p:animEffect transition="in" filter="wipe(down)">
+                                      <p:cBhvr>
+                                        <p:cTn id="7" dur="500"/>
+                                        <p:tgtEl>
+                                          <p:spTgt spid="5"/>
+                                        </p:tgtEl>
+                                      </p:cBhvr>
+                                    </p:animEffect>
+                                  </p:childTnLst>
+                                </p:cTn>
+                              </p:par>
+                            </p:childTnLst>
+                          </p:cTn>
+                        </p:par>
+                      </p:childTnLst>
+                    </p:cTn>
+                  </p:par>
+                  <p:par>
+                    <p:cTn id="8" fill="hold">
+                      <p:stCondLst>
+                        <p:cond delay="indefinite"/>
+                      </p:stCondLst>
+                      <p:childTnLst>
+                        <p:par>
+                          <p:cTn id="9" fill="hold">
+                            <p:stCondLst>
+                              <p:cond delay="0"/>
+                            </p:stCondLst>
+                            <p:childTnLst>
+                              <p:par>
+                                <p:cTn id="10" presetID="16" presetClass="entr" presetSubtype="21" fill="hold" grpId="0" nodeType="clickEffect">
+                                  <p:stCondLst>
+                                    <p:cond delay="0"/>
+                                  </p:stCondLst>
+                                  <p:childTnLst>
+                                    <p:set>
+                                      <p:cBhvr>
+                                        <p:cTn id="11" dur="1" fill="hold">
+                                          <p:stCondLst>
+                                            <p:cond delay="0"/>
+                                          </p:stCondLst>
+                                        </p:cTn>
+                                        <p:tgtEl>
+                                          <p:spTgt spid="3"/>
+                                        </p:tgtEl>
+                                        <p:attrNameLst>
+                                          <p:attrName>style.visibility</p:attrName>
+                                        </p:attrNameLst>
+                                      </p:cBhvr>
+                                      <p:to>
+                                        <p:strVal val="visible"/>
+                                      </p:to>
+                                    </p:set>
+                                    <p:animEffect transition="in" filter="barn(inVertical)">
+                                      <p:cBhvr>
+                                        <p:cTn id="12" dur="500"/>
+                                        <p:tgtEl>
+                                          <p:spTgt spid="3"/>
+                                        </p:tgtEl>
+                                      </p:cBhvr>
+                                    </p:animEffect>
+                                  </p:childTnLst>
+                                </p:cTn>
+                              </p:par>
+                              <p:par>
+                                <p:cTn id="13" presetID="16" presetClass="entr" presetSubtype="21" fill="hold" grpId="0" nodeType="withEffect">
+                                  <p:stCondLst>
+                                    <p:cond delay="0"/>
+                                  </p:stCondLst>
+                                  <p:childTnLst>
+                                    <p:set>
+                                      <p:cBhvr>
+                                        <p:cTn id="14" dur="1" fill="hold">
+                                          <p:stCondLst>
+                                            <p:cond delay="0"/>
+                                          </p:stCondLst>
+                                        </p:cTn>
+                                        <p:tgtEl>
+                                          <p:spTgt spid="4"/>
+                                        </p:tgtEl>
+                                        <p:attrNameLst>
+                                          <p:attrName>style.visibility</p:attrName>
+                                        </p:attrNameLst>
+                                      </p:cBhvr>
+                                      <p:to>
+                                        <p:strVal val="visible"/>
+                                      </p:to>
+                                    </p:set>
+                                    <p:animEffect transition="in" filter="barn(inVertical)">
+                                      <p:cBhvr>
+                                        <p:cTn id="15" dur="500"/>
+                                        <p:tgtEl>
+                                          <p:spTgt spid="4"/>
+                                        </p:tgtEl>
+                                      </p:cBhvr>
+                                    </p:animEffect>
+                                  </p:childTnLst>
+                                </p:cTn>
+                              </p:par>
+                            </p:childTnLst>
+                          </p:cTn>
+                        </p:par>
+                      </p:childTnLst>
+                    </p:cTn>
+                  </p:par>
+                  <p:par>
+                    <p:cTn id="16" fill="hold">
+                      <p:stCondLst>
+                        <p:cond delay="indefinite"/>
+                      </p:stCondLst>
+                      <p:childTnLst>
+                        <p:par>
+                          <p:cTn id="17" fill="hold">
+                            <p:stCondLst>
+                              <p:cond delay="0"/>
+                            </p:stCondLst>
+                            <p:childTnLst>
+                              <p:par>
+                                <p:cTn id="18" presetID="22" presetClass="entr" presetSubtype="4" fill="hold" grpId="0" nodeType="clickEffect">
+                                  <p:stCondLst>
+                                    <p:cond delay="0"/>
+                                  </p:stCondLst>
+                                  <p:childTnLst>
+                                    <p:set>
+                                      <p:cBhvr>
+                                        <p:cTn id="19" dur="1" fill="hold">
+                                          <p:stCondLst>
+                                            <p:cond delay="0"/>
+                                          </p:stCondLst>
+                                        </p:cTn>
+                                        <p:tgtEl>
+                                          <p:spTgt spid="6"/>
+                                        </p:tgtEl>
+                                        <p:attrNameLst>
+                                          <p:attrName>style.visibility</p:attrName>
+                                        </p:attrNameLst>
+                                      </p:cBhvr>
+                                      <p:to>
+                                        <p:strVal val="visible"/>
+                                      </p:to>
+                                    </p:set>
+                                    <p:animEffect transition="in" filter="wipe(down)">
+                                      <p:cBhvr>
+                                        <p:cTn id="20" dur="500"/>
+                                        <p:tgtEl>
+                                          <p:spTgt spid="6"/>
+                                        </p:tgtEl>
+                                      </p:cBhvr>
+                                    </p:animEffect>
+                                  </p:childTnLst>
+                                </p:cTn>
+                              </p:par>
+                              <p:par>
+                                <p:cTn id="21" presetID="22" presetClass="entr" presetSubtype="4" fill="hold" grpId="0" nodeType="withEffect">
+                                  <p:stCondLst>
+                                    <p:cond delay="0"/>
+                                  </p:stCondLst>
+                                  <p:childTnLst>
+                                    <p:set>
+                                      <p:cBhvr>
+                                        <p:cTn id="22" dur="1" fill="hold">
+                                          <p:stCondLst>
+                                            <p:cond delay="0"/>
+                                          </p:stCondLst>
+                                        </p:cTn>
+                                        <p:tgtEl>
+                                          <p:spTgt spid="7"/>
+                                        </p:tgtEl>
+                                        <p:attrNameLst>
+                                          <p:attrName>style.visibility</p:attrName>
+                                        </p:attrNameLst>
+                                      </p:cBhvr>
+                                      <p:to>
+                                        <p:strVal val="visible"/>
+                                      </p:to>
+                                    </p:set>
+                                    <p:animEffect transition="in" filter="wipe(down)">
+                                      <p:cBhvr>
+                                        <p:cTn id="23" dur="500"/>
+                                        <p:tgtEl>
+                                          <p:spTgt spid="7"/>
+                                        </p:tgtEl>
+                                      </p:cBhvr>
+                                    </p:animEffect>
+                                  </p:childTnLst>
+                                </p:cTn>
+                              </p:par>
+                            </p:childTnLst>
+                          </p:cTn>
+                        </p:par>
+                      </p:childTnLst>
+                    </p:cTn>
+                  </p:par>
+                  <p:par>
+                    <p:cTn id="24" fill="hold">
+                      <p:stCondLst>
+                        <p:cond delay="indefinite"/>
+                      </p:stCondLst>
+                      <p:childTnLst>
+                        <p:par>
+                          <p:cTn id="25" fill="hold">
+                            <p:stCondLst>
+                              <p:cond delay="0"/>
+                            </p:stCondLst>
+                            <p:childTnLst>
+                              <p:par>
+                                <p:cTn id="26" presetID="21" presetClass="entr" presetSubtype="1" fill="hold" grpId="0" nodeType="clickEffect">
+                                  <p:stCondLst>
+                                    <p:cond delay="0"/>
+                                  </p:stCondLst>
+                                  <p:childTnLst>
+                                    <p:set>
+                                      <p:cBhvr>
+                                        <p:cTn id="27" dur="1" fill="hold">
+                                          <p:stCondLst>
+                                            <p:cond delay="0"/>
+                                          </p:stCondLst>
+                                        </p:cTn>
+                                        <p:tgtEl>
+                                          <p:spTgt spid="8"/>
+                                        </p:tgtEl>
+                                        <p:attrNameLst>
+                                          <p:attrName>style.visibility</p:attrName>
+                                        </p:attrNameLst>
+                                      </p:cBhvr>
+                                      <p:to>
+                                        <p:strVal val="visible"/>
+                                      </p:to>
+                                    </p:set>
+                                    <p:animEffect transition="in" filter="wheel(1)">
+                                      <p:cBhvr>
+                                        <p:cTn id="28" dur="2000"/>
+                                        <p:tgtEl>
+                                          <p:spTgt spid="8"/>
+                                        </p:tgtEl>
+                                      </p:cBhvr>
+                                    </p:animEffect>
+                                  </p:childTnLst>
+                                </p:cTn>
+                              </p:par>
+                              <p:par>
+                                <p:cTn id="29" presetID="21" presetClass="entr" presetSubtype="1" fill="hold" grpId="0" nodeType="withEffect">
+                                  <p:stCondLst>
+                                    <p:cond delay="0"/>
+                                  </p:stCondLst>
+                                  <p:childTnLst>
+                                    <p:set>
+                                      <p:cBhvr>
+                                        <p:cTn id="30" dur="1" fill="hold">
+                                          <p:stCondLst>
+                                            <p:cond delay="0"/>
+                                          </p:stCondLst>
+                                        </p:cTn>
+                                        <p:tgtEl>
+                                          <p:spTgt spid="9"/>
+                                        </p:tgtEl>
+                                        <p:attrNameLst>
+                                          <p:attrName>style.visibility</p:attrName>
+                                        </p:attrNameLst>
+                                      </p:cBhvr>
+                                      <p:to>
+                                        <p:strVal val="visible"/>
+                                      </p:to>
+                                    </p:set>
+                                    <p:animEffect transition="in" filter="wheel(1)">
+                                      <p:cBhvr>
+                                        <p:cTn id="31" dur="2000"/>
+                                        <p:tgtEl>
+                                          <p:spTgt spid="9"/>
+                                        </p:tgtEl>
+                                      </p:cBhvr>
+                                    </p:animEffect>
+                                  </p:childTnLst>
+                                </p:cTn>
+                              </p:par>
+                            </p:childTnLst>
+                          </p:cTn>
+                        </p:par>
+                      </p:childTnLst>
+                    </p:cTn>
+                  </p:par>
+                  <p:par>
+                    <p:cTn id="32" fill="hold">
+                      <p:stCondLst>
+                        <p:cond delay="indefinite"/>
+                      </p:stCondLst>
+                      <p:childTnLst>
+                        <p:par>
+                          <p:cTn id="33" fill="hold">
+                            <p:stCondLst>
+                              <p:cond delay="0"/>
+                            </p:stCondLst>
+                            <p:childTnLst>
+                              <p:par>
+                                <p:cTn id="34" presetID="14" presetClass="entr" presetSubtype="10" fill="hold" grpId="0" nodeType="clickEffect">
+                                  <p:stCondLst>
+                                    <p:cond delay="0"/>
+                                  </p:stCondLst>
+                                  <p:childTnLst>
+                                    <p:set>
+                                      <p:cBhvr>
+                                        <p:cTn id="35" dur="1" fill="hold">
+                                          <p:stCondLst>
+                                            <p:cond delay="0"/>
+                                          </p:stCondLst>
+                                        </p:cTn>
+                                        <p:tgtEl>
+                                          <p:spTgt spid="11"/>
+                                        </p:tgtEl>
+                                        <p:attrNameLst>
+                                          <p:attrName>style.visibility</p:attrName>
+                                        </p:attrNameLst>
+                                      </p:cBhvr>
+                                      <p:to>
+                                        <p:strVal val="visible"/>
+                                      </p:to>
+                                    </p:set>
+                                    <p:animEffect transition="in" filter="randombar(horizontal)">
+                                      <p:cBhvr>
+                                        <p:cTn id="36" dur="500"/>
+                                        <p:tgtEl>
+                                          <p:spTgt spid="11"/>
+                                        </p:tgtEl>
+                                      </p:cBhvr>
+                                    </p:animEffect>
+                                  </p:childTnLst>
+                                </p:cTn>
+                              </p:par>
+                              <p:par>
+                                <p:cTn id="37" presetID="14" presetClass="entr" presetSubtype="10" fill="hold" grpId="0" nodeType="withEffect">
+                                  <p:stCondLst>
+                                    <p:cond delay="0"/>
+                                  </p:stCondLst>
+                                  <p:childTnLst>
+                                    <p:set>
+                                      <p:cBhvr>
+                                        <p:cTn id="38" dur="1" fill="hold">
+                                          <p:stCondLst>
+                                            <p:cond delay="0"/>
+                                          </p:stCondLst>
+                                        </p:cTn>
+                                        <p:tgtEl>
+                                          <p:spTgt spid="10"/>
+                                        </p:tgtEl>
+                                        <p:attrNameLst>
+                                          <p:attrName>style.visibility</p:attrName>
+                                        </p:attrNameLst>
+                                      </p:cBhvr>
+                                      <p:to>
+                                        <p:strVal val="visible"/>
+                                      </p:to>
+                                    </p:set>
+                                    <p:animEffect transition="in" filter="randombar(horizontal)">
+                                      <p:cBhvr>
+                                        <p:cTn id="39" dur="500"/>
+                                        <p:tgtEl>
+                                          <p:spTgt spid="10"/>
+                                        </p:tgtEl>
+                                      </p:cBhvr>
+                                    </p:animEffect>
+                                  </p:childTnLst>
+                                </p:cTn>
+                              </p:par>
+                            </p:childTnLst>
+                          </p:cTn>
+                        </p:par>
+                      </p:childTnLst>
+                    </p:cTn>
+                  </p:par>
+                  <p:par>
+                    <p:cTn id="40" fill="hold">
+                      <p:stCondLst>
+                        <p:cond delay="indefinite"/>
+                      </p:stCondLst>
+                      <p:childTnLst>
+                        <p:par>
+                          <p:cTn id="41" fill="hold">
+                            <p:stCondLst>
+                              <p:cond delay="0"/>
+                            </p:stCondLst>
+                            <p:childTnLst>
+                              <p:par>
+                                <p:cTn id="42" presetID="42" presetClass="entr" presetSubtype="0" fill="hold" grpId="0" nodeType="clickEffect">
+                                  <p:stCondLst>
+                                    <p:cond delay="0"/>
+                                  </p:stCondLst>
+                                  <p:childTnLst>
+                                    <p:set>
+                                      <p:cBhvr>
+                                        <p:cTn id="43" dur="1" fill="hold">
+                                          <p:stCondLst>
+                                            <p:cond delay="0"/>
+                                          </p:stCondLst>
+                                        </p:cTn>
+                                        <p:tgtEl>
+                                          <p:spTgt spid="2"/>
+                                        </p:tgtEl>
+                                        <p:attrNameLst>
+                                          <p:attrName>style.visibility</p:attrName>
+                                        </p:attrNameLst>
+                                      </p:cBhvr>
+                                      <p:to>
+                                        <p:strVal val="visible"/>
+                                      </p:to>
+                                    </p:set>
+                                    <p:animEffect transition="in" filter="fade">
+                                      <p:cBhvr>
+                                        <p:cTn id="44" dur="1000"/>
+                                        <p:tgtEl>
+                                          <p:spTgt spid="2"/>
+                                        </p:tgtEl>
+                                      </p:cBhvr>
+                                    </p:animEffect>
+                                    <p:anim calcmode="lin" valueType="num">
+                                      <p:cBhvr>
+                                        <p:cTn id="45" dur="1000" fill="hold"/>
+                                        <p:tgtEl>
+                                          <p:spTgt spid="2"/>
+                                        </p:tgtEl>
+                                        <p:attrNameLst>
+                                          <p:attrName>ppt_x</p:attrName>
+                                        </p:attrNameLst>
+                                      </p:cBhvr>
+                                      <p:tavLst>
+                                        <p:tav tm="0">
+                                          <p:val>
+                                            <p:strVal val="#ppt_x"/>
+                                          </p:val>
+                                        </p:tav>
+                                        <p:tav tm="100000">
+                                          <p:val>
+                                            <p:strVal val="#ppt_x"/>
+                                          </p:val>
+                                        </p:tav>
+                                      </p:tavLst>
+                                    </p:anim>
+                                    <p:anim calcmode="lin" valueType="num">
+                                      <p:cBhvr>
+                                        <p:cTn id="46" dur="1000" fill="hold"/>
+                                        <p:tgtEl>
+                                          <p:spTgt spid="2"/>
+                                        </p:tgtEl>
+                                        <p:attrNameLst>
+                                          <p:attrName>ppt_y</p:attrName>
+                                        </p:attrNameLst>
+                                      </p:cBhvr>
+                                      <p:tavLst>
+                                        <p:tav tm="0">
+                                          <p:val>
+                                            <p:strVal val="#ppt_y+.1"/>
+                                          </p:val>
+                                        </p:tav>
+                                        <p:tav tm="100000">
+                                          <p:val>
+                                            <p:strVal val="#ppt_y"/>
+                                          </p:val>
+                                        </p:tav>
+                                      </p:tavLst>
+                                    </p:anim>
+                                  </p:childTnLst>
+                                </p:cTn>
+                              </p:par>
+                            </p:childTnLst>
+                          </p:cTn>
+                        </p:par>
+                      </p:childTnLst>
+                    </p:cTn>
+                  </p:par>
+                </p:childTnLst>
+              </p:cTn>
+              <p:prevCondLst>
+                <p:cond evt="onPrev" delay="0">
+                  <p:tgtEl>
+                    <p:sldTgt/>
+                  </p:tgtEl>
+                </p:cond>
+              </p:prevCondLst>
+              <p:nextCondLst>
+                <p:cond evt="onNext" delay="0">
+                  <p:tgtEl>
+                    <p:sldTgt/>
+                  </p:tgtEl>
+                </p:cond>
+              </p:nextCondLst>
+            </p:seq>
+          </p:childTnLst>
+        </p:cTn>
+      </p:par>
+    </p:tnLst>
+    <p:bldLst>
+      <p:bldP spid="2" grpId="0"/>
+      <p:bldP spid="5" grpId="0"/>
+      <p:bldP spid="3" grpId="0" animBg="1"/>
+      <p:bldP spid="4" grpId="0"/>
+      <p:bldP spid="6" grpId="0" animBg="1"/>
+      <p:bldP spid="7" grpId="0"/>
+      <p:bldP spid="8" grpId="0" animBg="1"/>
+      <p:bldP spid="9" grpId="0"/>
+      <p:bldP spid="10" grpId="0" animBg="1"/>
+      <p:bldP spid="11" grpId="0"/>
+    </p:bldLst>
+  </p:timing>
+</p:sld>
+</file>
+
 <file path=ppt/slides/slide6.xml><?xml version="1.0" encoding="utf-8"?>
 <p:sld xmlns:a="http://schemas.openxmlformats.org/drawingml/2006/main" xmlns:r="http://schemas.openxmlformats.org/officeDocument/2006/relationships" xmlns:p="http://schemas.openxmlformats.org/presentationml/2006/main">
   <p:cSld>
@@ -9458,8 +9336,8 @@
         </p:nvSpPr>
         <p:spPr>
           <a:xfrm>
-            <a:off x="457199" y="238334"/>
-            <a:ext cx="3775393" cy="707886"/>
+            <a:off x="713678" y="238334"/>
+            <a:ext cx="3262433" cy="707886"/>
           </a:xfrm>
           <a:prstGeom prst="rect">
             <a:avLst/>
@@ -9484,7 +9362,7 @@
                   </a:outerShdw>
                 </a:effectLst>
               </a:rPr>
-              <a:t>二、问题与解决</a:t>
+              <a:t>二、做的更好</a:t>
             </a:r>
             <a:endParaRPr lang="zh-CN" altLang="en-US" sz="4000" b="0" cap="none" spc="0" dirty="0">
               <a:ln w="0"/>
@@ -9511,7 +9389,7 @@
         <p:spPr>
           <a:xfrm>
             <a:off x="999858" y="1315108"/>
-            <a:ext cx="5802594" cy="2723823"/>
+            <a:ext cx="5802594" cy="3139321"/>
           </a:xfrm>
           <a:prstGeom prst="rect">
             <a:avLst/>
@@ -9547,11 +9425,7 @@
             </a:r>
             <a:r>
               <a:rPr lang="zh-CN" altLang="en-US" dirty="0" smtClean="0"/>
-              <a:t>需要多思考，提出自己的想法</a:t>
-            </a:r>
-            <a:r>
-              <a:rPr lang="zh-CN" altLang="en-US" dirty="0" smtClean="0"/>
-              <a:t>建议。</a:t>
+              <a:t>对业务多做自己的思考，提出自己的想法建议。</a:t>
             </a:r>
             <a:endParaRPr lang="en-US" altLang="zh-CN" dirty="0" smtClean="0"/>
           </a:p>
@@ -9567,11 +9441,7 @@
             </a:r>
             <a:r>
               <a:rPr lang="zh-CN" altLang="en-US" dirty="0" smtClean="0"/>
-              <a:t>工作与学习的</a:t>
-            </a:r>
-            <a:r>
-              <a:rPr lang="zh-CN" altLang="en-US" dirty="0" smtClean="0"/>
-              <a:t>平衡。</a:t>
+              <a:t>工作与学习的平衡。</a:t>
             </a:r>
             <a:endParaRPr lang="en-US" altLang="zh-CN" dirty="0" smtClean="0"/>
           </a:p>
@@ -9586,16 +9456,8 @@
               <a:t>3.</a:t>
             </a:r>
             <a:r>
-              <a:rPr lang="zh-CN" altLang="en-US" dirty="0"/>
-              <a:t>多看</a:t>
-            </a:r>
-            <a:r>
               <a:rPr lang="zh-CN" altLang="en-US" dirty="0" smtClean="0"/>
-              <a:t>些与技术无关的</a:t>
-            </a:r>
-            <a:r>
-              <a:rPr lang="zh-CN" altLang="en-US" dirty="0" smtClean="0"/>
-              <a:t>书，增长自己的见识。</a:t>
+              <a:t>看更多不同方面的书籍，提高自己眼界，增长自己的见识。</a:t>
             </a:r>
             <a:endParaRPr lang="en-US" altLang="zh-CN" dirty="0" smtClean="0"/>
           </a:p>
@@ -9607,23 +9469,11 @@
             </a:pPr>
             <a:r>
               <a:rPr lang="en-US" altLang="zh-CN" dirty="0" smtClean="0"/>
-              <a:t>4</a:t>
-            </a:r>
-            <a:r>
-              <a:rPr lang="en-US" altLang="zh-CN" dirty="0" smtClean="0"/>
-              <a:t>.</a:t>
+              <a:t>4.</a:t>
             </a:r>
             <a:r>
               <a:rPr lang="zh-CN" altLang="en-US" dirty="0" smtClean="0"/>
-              <a:t>一定多</a:t>
-            </a:r>
-            <a:r>
-              <a:rPr lang="zh-CN" altLang="en-US" dirty="0" smtClean="0"/>
-              <a:t>注意细节，逻辑的</a:t>
-            </a:r>
-            <a:r>
-              <a:rPr lang="zh-CN" altLang="en-US" dirty="0" smtClean="0"/>
-              <a:t>严谨性。</a:t>
+              <a:t>一定多注意细节，逻辑的严谨性。</a:t>
             </a:r>
             <a:endParaRPr lang="en-US" altLang="zh-CN" dirty="0" smtClean="0"/>
           </a:p>
@@ -9639,7 +9489,7 @@
             </a:r>
             <a:r>
               <a:rPr lang="zh-CN" altLang="en-US" dirty="0" smtClean="0"/>
-              <a:t>提示自己的效率。</a:t>
+              <a:t>提高自己的开发人效。</a:t>
             </a:r>
             <a:endParaRPr lang="zh-CN" altLang="en-US" dirty="0"/>
           </a:p>
@@ -9866,314 +9716,6 @@
       </p:pic>
       <p:sp>
         <p:nvSpPr>
-          <p:cNvPr id="4" name="文本框 3"/>
-          <p:cNvSpPr txBox="1"/>
-          <p:nvPr/>
-        </p:nvSpPr>
-        <p:spPr>
-          <a:xfrm>
-            <a:off x="666571" y="350029"/>
-            <a:ext cx="7024643" cy="5309146"/>
-          </a:xfrm>
-          <a:prstGeom prst="rect">
-            <a:avLst/>
-          </a:prstGeom>
-          <a:noFill/>
-        </p:spPr>
-        <p:txBody>
-          <a:bodyPr wrap="square" rtlCol="0">
-            <a:spAutoFit/>
-          </a:bodyPr>
-          <a:lstStyle/>
-          <a:p>
-            <a:pPr>
-              <a:lnSpc>
-                <a:spcPct val="150000"/>
-              </a:lnSpc>
-            </a:pPr>
-            <a:r>
-              <a:rPr lang="zh-CN" altLang="en-US" sz="2400" b="1" dirty="0" smtClean="0"/>
-              <a:t>其他问题：</a:t>
-            </a:r>
-            <a:endParaRPr lang="en-US" altLang="zh-CN" sz="2400" b="1" dirty="0" smtClean="0"/>
-          </a:p>
-          <a:p>
-            <a:pPr>
-              <a:lnSpc>
-                <a:spcPct val="150000"/>
-              </a:lnSpc>
-            </a:pPr>
-            <a:r>
-              <a:rPr lang="en-US" altLang="zh-CN" dirty="0" smtClean="0"/>
-              <a:t>1.</a:t>
-            </a:r>
-            <a:r>
-              <a:rPr lang="zh-CN" altLang="en-US" dirty="0" smtClean="0"/>
-              <a:t>权限的申请问题</a:t>
-            </a:r>
-            <a:endParaRPr lang="en-US" altLang="zh-CN" dirty="0" smtClean="0"/>
-          </a:p>
-          <a:p>
-            <a:pPr>
-              <a:lnSpc>
-                <a:spcPct val="150000"/>
-              </a:lnSpc>
-            </a:pPr>
-            <a:endParaRPr lang="en-US" altLang="zh-CN" dirty="0"/>
-          </a:p>
-          <a:p>
-            <a:pPr>
-              <a:lnSpc>
-                <a:spcPct val="150000"/>
-              </a:lnSpc>
-            </a:pPr>
-            <a:r>
-              <a:rPr lang="zh-CN" altLang="en-US" sz="2000" b="1" dirty="0" smtClean="0"/>
-              <a:t>描述：</a:t>
-            </a:r>
-            <a:endParaRPr lang="en-US" altLang="zh-CN" sz="2000" b="1" dirty="0" smtClean="0"/>
-          </a:p>
-          <a:p>
-            <a:pPr>
-              <a:lnSpc>
-                <a:spcPct val="150000"/>
-              </a:lnSpc>
-            </a:pPr>
-            <a:r>
-              <a:rPr lang="zh-CN" altLang="en-US" dirty="0" smtClean="0"/>
-              <a:t>不管是技术还是运营还是产品，新入职时总会遇到各种各样的权限不足，有时候又不知道找谁申请。问来问去也会耽误别人的工作</a:t>
-            </a:r>
-            <a:r>
-              <a:rPr lang="zh-CN" altLang="en-US" dirty="0"/>
-              <a:t>。而且现在新出来的权限过期导致所有人都需要重新申请</a:t>
-            </a:r>
-            <a:r>
-              <a:rPr lang="zh-CN" altLang="en-US" dirty="0" smtClean="0"/>
-              <a:t>权限，对工作带来了很大的不便利。</a:t>
-            </a:r>
-            <a:endParaRPr lang="en-US" altLang="zh-CN" dirty="0" smtClean="0"/>
-          </a:p>
-          <a:p>
-            <a:pPr>
-              <a:lnSpc>
-                <a:spcPct val="150000"/>
-              </a:lnSpc>
-            </a:pPr>
-            <a:endParaRPr lang="en-US" altLang="zh-CN" dirty="0"/>
-          </a:p>
-          <a:p>
-            <a:pPr>
-              <a:lnSpc>
-                <a:spcPct val="150000"/>
-              </a:lnSpc>
-            </a:pPr>
-            <a:r>
-              <a:rPr lang="zh-CN" altLang="en-US" sz="2000" b="1" dirty="0" smtClean="0"/>
-              <a:t>可能的解决方案：</a:t>
-            </a:r>
-            <a:endParaRPr lang="en-US" altLang="zh-CN" sz="2000" b="1" dirty="0" smtClean="0"/>
-          </a:p>
-          <a:p>
-            <a:pPr>
-              <a:lnSpc>
-                <a:spcPct val="150000"/>
-              </a:lnSpc>
-            </a:pPr>
-            <a:r>
-              <a:rPr lang="zh-CN" altLang="en-US" dirty="0"/>
-              <a:t>列一</a:t>
-            </a:r>
-            <a:r>
-              <a:rPr lang="zh-CN" altLang="en-US" dirty="0" smtClean="0"/>
-              <a:t>张统一的权限表</a:t>
-            </a:r>
-            <a:r>
-              <a:rPr lang="zh-CN" altLang="en-US" dirty="0" smtClean="0"/>
-              <a:t>，最好能涵盖所有的权限。包涵分区，权限内容，如何申请等。或者按照什么岗位</a:t>
-            </a:r>
-            <a:r>
-              <a:rPr lang="zh-CN" altLang="en-US" dirty="0" smtClean="0"/>
-              <a:t>可能需要什么权限，找谁申请。</a:t>
-            </a:r>
-            <a:endParaRPr lang="en-US" altLang="zh-CN" dirty="0" smtClean="0"/>
-          </a:p>
-        </p:txBody>
-      </p:sp>
-    </p:spTree>
-    <p:extLst>
-      <p:ext uri="{BB962C8B-B14F-4D97-AF65-F5344CB8AC3E}">
-        <p14:creationId xmlns:p14="http://schemas.microsoft.com/office/powerpoint/2010/main" val="3128535639"/>
-      </p:ext>
-    </p:extLst>
-  </p:cSld>
-  <p:clrMapOvr>
-    <a:masterClrMapping/>
-  </p:clrMapOvr>
-  <p:timing>
-    <p:tnLst>
-      <p:par>
-        <p:cTn id="1" dur="indefinite" restart="never" nodeType="tmRoot">
-          <p:childTnLst>
-            <p:seq concurrent="1" nextAc="seek">
-              <p:cTn id="2" dur="indefinite" nodeType="mainSeq">
-                <p:childTnLst>
-                  <p:par>
-                    <p:cTn id="3" fill="hold">
-                      <p:stCondLst>
-                        <p:cond delay="indefinite"/>
-                      </p:stCondLst>
-                      <p:childTnLst>
-                        <p:par>
-                          <p:cTn id="4" fill="hold">
-                            <p:stCondLst>
-                              <p:cond delay="0"/>
-                            </p:stCondLst>
-                            <p:childTnLst>
-                              <p:par>
-                                <p:cTn id="5" presetID="22" presetClass="entr" presetSubtype="4" fill="hold" grpId="0" nodeType="clickEffect">
-                                  <p:stCondLst>
-                                    <p:cond delay="0"/>
-                                  </p:stCondLst>
-                                  <p:childTnLst>
-                                    <p:set>
-                                      <p:cBhvr>
-                                        <p:cTn id="6" dur="1" fill="hold">
-                                          <p:stCondLst>
-                                            <p:cond delay="0"/>
-                                          </p:stCondLst>
-                                        </p:cTn>
-                                        <p:tgtEl>
-                                          <p:spTgt spid="4"/>
-                                        </p:tgtEl>
-                                        <p:attrNameLst>
-                                          <p:attrName>style.visibility</p:attrName>
-                                        </p:attrNameLst>
-                                      </p:cBhvr>
-                                      <p:to>
-                                        <p:strVal val="visible"/>
-                                      </p:to>
-                                    </p:set>
-                                    <p:animEffect transition="in" filter="wipe(down)">
-                                      <p:cBhvr>
-                                        <p:cTn id="7" dur="500"/>
-                                        <p:tgtEl>
-                                          <p:spTgt spid="4"/>
-                                        </p:tgtEl>
-                                      </p:cBhvr>
-                                    </p:animEffect>
-                                  </p:childTnLst>
-                                </p:cTn>
-                              </p:par>
-                            </p:childTnLst>
-                          </p:cTn>
-                        </p:par>
-                      </p:childTnLst>
-                    </p:cTn>
-                  </p:par>
-                </p:childTnLst>
-              </p:cTn>
-              <p:prevCondLst>
-                <p:cond evt="onPrev" delay="0">
-                  <p:tgtEl>
-                    <p:sldTgt/>
-                  </p:tgtEl>
-                </p:cond>
-              </p:prevCondLst>
-              <p:nextCondLst>
-                <p:cond evt="onNext" delay="0">
-                  <p:tgtEl>
-                    <p:sldTgt/>
-                  </p:tgtEl>
-                </p:cond>
-              </p:nextCondLst>
-            </p:seq>
-          </p:childTnLst>
-        </p:cTn>
-      </p:par>
-    </p:tnLst>
-    <p:bldLst>
-      <p:bldP spid="4" grpId="0"/>
-    </p:bldLst>
-  </p:timing>
-</p:sld>
-</file>
-
-<file path=ppt/slides/slide8.xml><?xml version="1.0" encoding="utf-8"?>
-<p:sld xmlns:a="http://schemas.openxmlformats.org/drawingml/2006/main" xmlns:r="http://schemas.openxmlformats.org/officeDocument/2006/relationships" xmlns:p="http://schemas.openxmlformats.org/presentationml/2006/main">
-  <p:cSld>
-    <p:spTree>
-      <p:nvGrpSpPr>
-        <p:cNvPr id="1" name=""/>
-        <p:cNvGrpSpPr/>
-        <p:nvPr/>
-      </p:nvGrpSpPr>
-      <p:grpSpPr>
-        <a:xfrm>
-          <a:off x="0" y="0"/>
-          <a:ext cx="0" cy="0"/>
-          <a:chOff x="0" y="0"/>
-          <a:chExt cx="0" cy="0"/>
-        </a:xfrm>
-      </p:grpSpPr>
-      <p:sp>
-        <p:nvSpPr>
-          <p:cNvPr id="17410" name="标题 3"/>
-          <p:cNvSpPr>
-            <a:spLocks noGrp="1"/>
-          </p:cNvSpPr>
-          <p:nvPr>
-            <p:ph type="title"/>
-          </p:nvPr>
-        </p:nvSpPr>
-        <p:spPr>
-          <a:xfrm>
-            <a:off x="457200" y="2600325"/>
-            <a:ext cx="8229600" cy="1143000"/>
-          </a:xfrm>
-        </p:spPr>
-        <p:txBody>
-          <a:bodyPr/>
-          <a:lstStyle/>
-          <a:p>
-            <a:pPr eaLnBrk="1" hangingPunct="1"/>
-            <a:endParaRPr lang="zh-CN" altLang="en-US" smtClean="0"/>
-          </a:p>
-        </p:txBody>
-      </p:sp>
-      <p:pic>
-        <p:nvPicPr>
-          <p:cNvPr id="17411" name="图片 3" descr="PPT-03.jpg"/>
-          <p:cNvPicPr>
-            <a:picLocks noChangeAspect="1"/>
-          </p:cNvPicPr>
-          <p:nvPr/>
-        </p:nvPicPr>
-        <p:blipFill>
-          <a:blip r:embed="rId2"/>
-          <a:srcRect/>
-          <a:stretch>
-            <a:fillRect/>
-          </a:stretch>
-        </p:blipFill>
-        <p:spPr bwMode="auto">
-          <a:xfrm>
-            <a:off x="0" y="0"/>
-            <a:ext cx="9286875" cy="6858000"/>
-          </a:xfrm>
-          <a:prstGeom prst="rect">
-            <a:avLst/>
-          </a:prstGeom>
-          <a:noFill/>
-          <a:ln w="9525">
-            <a:noFill/>
-            <a:miter lim="800000"/>
-            <a:headEnd/>
-            <a:tailEnd/>
-          </a:ln>
-        </p:spPr>
-      </p:pic>
-      <p:sp>
-        <p:nvSpPr>
           <p:cNvPr id="4" name="矩形 3"/>
           <p:cNvSpPr/>
           <p:nvPr/>
@@ -10315,8 +9857,8 @@
         </p:nvSpPr>
         <p:spPr>
           <a:xfrm>
-            <a:off x="457199" y="2635383"/>
-            <a:ext cx="7413477" cy="3139321"/>
+            <a:off x="457199" y="2524285"/>
+            <a:ext cx="7413477" cy="2308324"/>
           </a:xfrm>
           <a:prstGeom prst="rect">
             <a:avLst/>
@@ -10347,6 +9889,10 @@
               </a:lnSpc>
             </a:pPr>
             <a:r>
+              <a:rPr lang="en-US" altLang="zh-CN" dirty="0" smtClean="0"/>
+              <a:t>1. </a:t>
+            </a:r>
+            <a:r>
               <a:rPr lang="zh-CN" altLang="en-US" dirty="0" smtClean="0"/>
               <a:t>之后的一年做到</a:t>
             </a:r>
@@ -10372,67 +9918,31 @@
             </a:r>
             <a:r>
               <a:rPr lang="zh-CN" altLang="en-US" dirty="0" smtClean="0"/>
-              <a:t>都能够独立的开发</a:t>
+              <a:t>都能够独立的开发项目。</a:t>
+            </a:r>
+            <a:endParaRPr lang="en-US" altLang="zh-CN" dirty="0" smtClean="0"/>
+          </a:p>
+          <a:p>
+            <a:pPr>
+              <a:lnSpc>
+                <a:spcPct val="150000"/>
+              </a:lnSpc>
+            </a:pPr>
+            <a:r>
+              <a:rPr lang="en-US" altLang="zh-CN" dirty="0" smtClean="0"/>
+              <a:t>2. </a:t>
             </a:r>
             <a:r>
               <a:rPr lang="zh-CN" altLang="en-US" dirty="0" smtClean="0"/>
-              <a:t>项目，并且制作</a:t>
+              <a:t>期望在两</a:t>
+            </a:r>
+            <a:r>
+              <a:rPr lang="zh-CN" altLang="en-US" dirty="0"/>
+              <a:t>、</a:t>
             </a:r>
             <a:r>
               <a:rPr lang="zh-CN" altLang="en-US" dirty="0" smtClean="0"/>
-              <a:t>的项目逻辑通畅，实现</a:t>
-            </a:r>
-            <a:r>
-              <a:rPr lang="zh-CN" altLang="en-US" dirty="0" smtClean="0"/>
-              <a:t>良好</a:t>
-            </a:r>
-            <a:r>
-              <a:rPr lang="zh-CN" altLang="en-US" dirty="0" smtClean="0"/>
-              <a:t>，能够改掉</a:t>
-            </a:r>
-            <a:r>
-              <a:rPr lang="zh-CN" altLang="en-US" dirty="0"/>
-              <a:t>自己粗心的坏</a:t>
-            </a:r>
-            <a:r>
-              <a:rPr lang="zh-CN" altLang="en-US" dirty="0" smtClean="0"/>
-              <a:t>毛病。</a:t>
-            </a:r>
-            <a:r>
-              <a:rPr lang="zh-CN" altLang="en-US" dirty="0"/>
-              <a:t>目前比较欠缺的各种经验及产品的</a:t>
-            </a:r>
-            <a:r>
-              <a:rPr lang="zh-CN" altLang="en-US" dirty="0" smtClean="0"/>
-              <a:t>思维想法。</a:t>
-            </a:r>
-            <a:r>
-              <a:rPr lang="zh-CN" altLang="en-US" dirty="0"/>
-              <a:t>期望</a:t>
-            </a:r>
-            <a:r>
-              <a:rPr lang="zh-CN" altLang="en-US" dirty="0" smtClean="0"/>
-              <a:t>在两年内能够更广泛的了解前端的各种稀奇古怪的事物，</a:t>
-            </a:r>
-            <a:r>
-              <a:rPr lang="zh-CN" altLang="en-US" dirty="0" smtClean="0"/>
-              <a:t>三年内跨</a:t>
-            </a:r>
-            <a:r>
-              <a:rPr lang="zh-CN" altLang="en-US" dirty="0" smtClean="0"/>
-              <a:t>领域了解其他方面的东西。之后不断的积累技术经验</a:t>
-            </a:r>
-            <a:r>
-              <a:rPr lang="zh-CN" altLang="en-US" dirty="0" smtClean="0"/>
-              <a:t>，同时持续</a:t>
-            </a:r>
-            <a:r>
-              <a:rPr lang="zh-CN" altLang="en-US" dirty="0" smtClean="0"/>
-              <a:t>提升自己在产品</a:t>
-            </a:r>
-            <a:r>
-              <a:rPr lang="zh-CN" altLang="en-US" dirty="0" smtClean="0"/>
-              <a:t>，设计，视觉等多方面的思考及感悟。</a:t>
+              <a:t>三年内能够更广泛的了解前端的各种稀奇古怪的事物，跨领域了解其他方面的东西。之后不断的积累技术经验，同时持续提升自己在产品，设计，视觉等多方面的思考及感悟。</a:t>
             </a:r>
             <a:endParaRPr lang="zh-CN" altLang="en-US" dirty="0"/>
           </a:p>
@@ -10637,7 +10147,7 @@
 </p:sld>
 </file>
 
-<file path=ppt/slides/slide9.xml><?xml version="1.0" encoding="utf-8"?>
+<file path=ppt/slides/slide8.xml><?xml version="1.0" encoding="utf-8"?>
 <p:sld xmlns:a="http://schemas.openxmlformats.org/drawingml/2006/main" xmlns:r="http://schemas.openxmlformats.org/officeDocument/2006/relationships" xmlns:p="http://schemas.openxmlformats.org/presentationml/2006/main">
   <p:cSld>
     <p:spTree>
@@ -10787,11 +10297,7 @@
           <a:p>
             <a:r>
               <a:rPr lang="zh-CN" altLang="en-US" dirty="0" smtClean="0"/>
-              <a:t>这里个个都是人才，说话又好听，我超</a:t>
-            </a:r>
-            <a:r>
-              <a:rPr lang="zh-CN" altLang="en-US" dirty="0" smtClean="0"/>
-              <a:t>喜欢</a:t>
+              <a:t>这里个个都是人才，说话又好听，我超喜欢</a:t>
             </a:r>
             <a:r>
               <a:rPr lang="zh-CN" altLang="en-US" dirty="0"/>
@@ -10799,11 +10305,7 @@
             </a:r>
             <a:r>
               <a:rPr lang="zh-CN" altLang="en-US" dirty="0" smtClean="0"/>
-              <a:t>这里的</a:t>
-            </a:r>
-            <a:r>
-              <a:rPr lang="zh-CN" altLang="en-US" dirty="0" smtClean="0"/>
-              <a:t>感觉。</a:t>
+              <a:t>这里的感觉。</a:t>
             </a:r>
             <a:endParaRPr lang="zh-CN" altLang="en-US" dirty="0"/>
           </a:p>
@@ -11033,7 +10535,7 @@
                             </p:stCondLst>
                             <p:childTnLst>
                               <p:par>
-                                <p:cTn id="5" presetID="31" presetClass="entr" presetSubtype="0" fill="hold" grpId="0" nodeType="clickEffect">
+                                <p:cTn id="5" presetID="42" presetClass="entr" presetSubtype="0" fill="hold" grpId="0" nodeType="clickEffect">
                                   <p:stCondLst>
                                     <p:cond delay="0"/>
                                   </p:stCondLst>
@@ -11041,6 +10543,158 @@
                                     <p:set>
                                       <p:cBhvr>
                                         <p:cTn id="6" dur="1" fill="hold">
+                                          <p:stCondLst>
+                                            <p:cond delay="0"/>
+                                          </p:stCondLst>
+                                        </p:cTn>
+                                        <p:tgtEl>
+                                          <p:spTgt spid="2"/>
+                                        </p:tgtEl>
+                                        <p:attrNameLst>
+                                          <p:attrName>style.visibility</p:attrName>
+                                        </p:attrNameLst>
+                                      </p:cBhvr>
+                                      <p:to>
+                                        <p:strVal val="visible"/>
+                                      </p:to>
+                                    </p:set>
+                                    <p:animEffect transition="in" filter="fade">
+                                      <p:cBhvr>
+                                        <p:cTn id="7" dur="1000"/>
+                                        <p:tgtEl>
+                                          <p:spTgt spid="2"/>
+                                        </p:tgtEl>
+                                      </p:cBhvr>
+                                    </p:animEffect>
+                                    <p:anim calcmode="lin" valueType="num">
+                                      <p:cBhvr>
+                                        <p:cTn id="8" dur="1000" fill="hold"/>
+                                        <p:tgtEl>
+                                          <p:spTgt spid="2"/>
+                                        </p:tgtEl>
+                                        <p:attrNameLst>
+                                          <p:attrName>ppt_x</p:attrName>
+                                        </p:attrNameLst>
+                                      </p:cBhvr>
+                                      <p:tavLst>
+                                        <p:tav tm="0">
+                                          <p:val>
+                                            <p:strVal val="#ppt_x"/>
+                                          </p:val>
+                                        </p:tav>
+                                        <p:tav tm="100000">
+                                          <p:val>
+                                            <p:strVal val="#ppt_x"/>
+                                          </p:val>
+                                        </p:tav>
+                                      </p:tavLst>
+                                    </p:anim>
+                                    <p:anim calcmode="lin" valueType="num">
+                                      <p:cBhvr>
+                                        <p:cTn id="9" dur="1000" fill="hold"/>
+                                        <p:tgtEl>
+                                          <p:spTgt spid="2"/>
+                                        </p:tgtEl>
+                                        <p:attrNameLst>
+                                          <p:attrName>ppt_y</p:attrName>
+                                        </p:attrNameLst>
+                                      </p:cBhvr>
+                                      <p:tavLst>
+                                        <p:tav tm="0">
+                                          <p:val>
+                                            <p:strVal val="#ppt_y+.1"/>
+                                          </p:val>
+                                        </p:tav>
+                                        <p:tav tm="100000">
+                                          <p:val>
+                                            <p:strVal val="#ppt_y"/>
+                                          </p:val>
+                                        </p:tav>
+                                      </p:tavLst>
+                                    </p:anim>
+                                  </p:childTnLst>
+                                </p:cTn>
+                              </p:par>
+                            </p:childTnLst>
+                          </p:cTn>
+                        </p:par>
+                      </p:childTnLst>
+                    </p:cTn>
+                  </p:par>
+                  <p:par>
+                    <p:cTn id="10" fill="hold">
+                      <p:stCondLst>
+                        <p:cond delay="indefinite"/>
+                      </p:stCondLst>
+                      <p:childTnLst>
+                        <p:par>
+                          <p:cTn id="11" fill="hold">
+                            <p:stCondLst>
+                              <p:cond delay="0"/>
+                            </p:stCondLst>
+                            <p:childTnLst>
+                              <p:par>
+                                <p:cTn id="12" presetID="10" presetClass="entr" presetSubtype="0" fill="hold" grpId="0" nodeType="clickEffect">
+                                  <p:stCondLst>
+                                    <p:cond delay="0"/>
+                                  </p:stCondLst>
+                                  <p:childTnLst>
+                                    <p:set>
+                                      <p:cBhvr>
+                                        <p:cTn id="13" dur="1" fill="hold">
+                                          <p:stCondLst>
+                                            <p:cond delay="0"/>
+                                          </p:stCondLst>
+                                        </p:cTn>
+                                        <p:tgtEl>
+                                          <p:spTgt spid="6"/>
+                                        </p:tgtEl>
+                                        <p:attrNameLst>
+                                          <p:attrName>style.visibility</p:attrName>
+                                        </p:attrNameLst>
+                                      </p:cBhvr>
+                                      <p:to>
+                                        <p:strVal val="visible"/>
+                                      </p:to>
+                                    </p:set>
+                                    <p:animEffect transition="in" filter="fade">
+                                      <p:cBhvr>
+                                        <p:cTn id="14" dur="500"/>
+                                        <p:tgtEl>
+                                          <p:spTgt spid="6"/>
+                                        </p:tgtEl>
+                                      </p:cBhvr>
+                                    </p:animEffect>
+                                  </p:childTnLst>
+                                </p:cTn>
+                              </p:par>
+                            </p:childTnLst>
+                          </p:cTn>
+                        </p:par>
+                      </p:childTnLst>
+                    </p:cTn>
+                  </p:par>
+                  <p:par>
+                    <p:cTn id="15" fill="hold">
+                      <p:stCondLst>
+                        <p:cond delay="indefinite"/>
+                      </p:stCondLst>
+                      <p:childTnLst>
+                        <p:par>
+                          <p:cTn id="16" fill="hold">
+                            <p:stCondLst>
+                              <p:cond delay="0"/>
+                            </p:stCondLst>
+                            <p:childTnLst>
+                              <p:par>
+                                <p:cTn id="17" presetID="31" presetClass="entr" presetSubtype="0" fill="hold" grpId="0" nodeType="clickEffect">
+                                  <p:stCondLst>
+                                    <p:cond delay="0"/>
+                                  </p:stCondLst>
+                                  <p:childTnLst>
+                                    <p:set>
+                                      <p:cBhvr>
+                                        <p:cTn id="18" dur="1" fill="hold">
                                           <p:stCondLst>
                                             <p:cond delay="0"/>
                                           </p:stCondLst>
@@ -11058,7 +10712,7 @@
                                     </p:set>
                                     <p:anim calcmode="lin" valueType="num">
                                       <p:cBhvr>
-                                        <p:cTn id="7" dur="1000" fill="hold"/>
+                                        <p:cTn id="19" dur="1000" fill="hold"/>
                                         <p:tgtEl>
                                           <p:spTgt spid="3"/>
                                         </p:tgtEl>
@@ -11081,7 +10735,7 @@
                                     </p:anim>
                                     <p:anim calcmode="lin" valueType="num">
                                       <p:cBhvr>
-                                        <p:cTn id="8" dur="1000" fill="hold"/>
+                                        <p:cTn id="20" dur="1000" fill="hold"/>
                                         <p:tgtEl>
                                           <p:spTgt spid="3"/>
                                         </p:tgtEl>
@@ -11104,7 +10758,7 @@
                                     </p:anim>
                                     <p:anim calcmode="lin" valueType="num">
                                       <p:cBhvr>
-                                        <p:cTn id="9" dur="1000" fill="hold"/>
+                                        <p:cTn id="21" dur="1000" fill="hold"/>
                                         <p:tgtEl>
                                           <p:spTgt spid="3"/>
                                         </p:tgtEl>
@@ -11127,7 +10781,7 @@
                                     </p:anim>
                                     <p:animEffect transition="in" filter="fade">
                                       <p:cBhvr>
-                                        <p:cTn id="10" dur="1000"/>
+                                        <p:cTn id="22" dur="1000"/>
                                         <p:tgtEl>
                                           <p:spTgt spid="3"/>
                                         </p:tgtEl>
@@ -11136,33 +10790,15 @@
                                   </p:childTnLst>
                                 </p:cTn>
                               </p:par>
-                            </p:childTnLst>
-                          </p:cTn>
-                        </p:par>
-                      </p:childTnLst>
-                    </p:cTn>
-                  </p:par>
-                  <p:par>
-                    <p:cTn id="11" fill="hold">
-                      <p:stCondLst>
-                        <p:cond delay="indefinite"/>
-                      </p:stCondLst>
-                      <p:childTnLst>
-                        <p:par>
-                          <p:cTn id="12" fill="hold">
-                            <p:stCondLst>
-                              <p:cond delay="0"/>
-                            </p:stCondLst>
-                            <p:childTnLst>
                               <p:par>
-                                <p:cTn id="13" presetID="31" presetClass="entr" presetSubtype="0" fill="hold" nodeType="clickEffect">
+                                <p:cTn id="23" presetID="31" presetClass="entr" presetSubtype="0" fill="hold" nodeType="withEffect">
                                   <p:stCondLst>
                                     <p:cond delay="0"/>
                                   </p:stCondLst>
                                   <p:childTnLst>
                                     <p:set>
                                       <p:cBhvr>
-                                        <p:cTn id="14" dur="1" fill="hold">
+                                        <p:cTn id="24" dur="1" fill="hold">
                                           <p:stCondLst>
                                             <p:cond delay="0"/>
                                           </p:stCondLst>
@@ -11180,7 +10816,7 @@
                                     </p:set>
                                     <p:anim calcmode="lin" valueType="num">
                                       <p:cBhvr>
-                                        <p:cTn id="15" dur="1000" fill="hold"/>
+                                        <p:cTn id="25" dur="1000" fill="hold"/>
                                         <p:tgtEl>
                                           <p:spTgt spid="5"/>
                                         </p:tgtEl>
@@ -11203,7 +10839,7 @@
                                     </p:anim>
                                     <p:anim calcmode="lin" valueType="num">
                                       <p:cBhvr>
-                                        <p:cTn id="16" dur="1000" fill="hold"/>
+                                        <p:cTn id="26" dur="1000" fill="hold"/>
                                         <p:tgtEl>
                                           <p:spTgt spid="5"/>
                                         </p:tgtEl>
@@ -11226,7 +10862,7 @@
                                     </p:anim>
                                     <p:anim calcmode="lin" valueType="num">
                                       <p:cBhvr>
-                                        <p:cTn id="17" dur="1000" fill="hold"/>
+                                        <p:cTn id="27" dur="1000" fill="hold"/>
                                         <p:tgtEl>
                                           <p:spTgt spid="5"/>
                                         </p:tgtEl>
@@ -11249,7 +10885,7 @@
                                     </p:anim>
                                     <p:animEffect transition="in" filter="fade">
                                       <p:cBhvr>
-                                        <p:cTn id="18" dur="1000"/>
+                                        <p:cTn id="28" dur="1000"/>
                                         <p:tgtEl>
                                           <p:spTgt spid="5"/>
                                         </p:tgtEl>
@@ -11287,7 +10923,204 @@
     </p:tnLst>
     <p:bldLst>
       <p:bldP spid="3" grpId="0"/>
+      <p:bldP spid="6" grpId="0"/>
+      <p:bldP spid="2" grpId="0"/>
     </p:bldLst>
+  </p:timing>
+</p:sld>
+</file>
+
+<file path=ppt/slides/slide9.xml><?xml version="1.0" encoding="utf-8"?>
+<p:sld xmlns:a="http://schemas.openxmlformats.org/drawingml/2006/main" xmlns:r="http://schemas.openxmlformats.org/officeDocument/2006/relationships" xmlns:p="http://schemas.openxmlformats.org/presentationml/2006/main">
+  <p:cSld>
+    <p:spTree>
+      <p:nvGrpSpPr>
+        <p:cNvPr id="1" name=""/>
+        <p:cNvGrpSpPr/>
+        <p:nvPr/>
+      </p:nvGrpSpPr>
+      <p:grpSpPr>
+        <a:xfrm>
+          <a:off x="0" y="0"/>
+          <a:ext cx="0" cy="0"/>
+          <a:chOff x="0" y="0"/>
+          <a:chExt cx="0" cy="0"/>
+        </a:xfrm>
+      </p:grpSpPr>
+      <p:pic>
+        <p:nvPicPr>
+          <p:cNvPr id="18434" name="图片 1" descr="PPT-02.jpg"/>
+          <p:cNvPicPr>
+            <a:picLocks noChangeAspect="1"/>
+          </p:cNvPicPr>
+          <p:nvPr/>
+        </p:nvPicPr>
+        <p:blipFill>
+          <a:blip r:embed="rId2"/>
+          <a:srcRect/>
+          <a:stretch>
+            <a:fillRect/>
+          </a:stretch>
+        </p:blipFill>
+        <p:spPr bwMode="auto">
+          <a:xfrm>
+            <a:off x="0" y="0"/>
+            <a:ext cx="9144000" cy="6858000"/>
+          </a:xfrm>
+          <a:prstGeom prst="rect">
+            <a:avLst/>
+          </a:prstGeom>
+          <a:noFill/>
+          <a:ln w="9525">
+            <a:noFill/>
+            <a:miter lim="800000"/>
+            <a:headEnd/>
+            <a:tailEnd/>
+          </a:ln>
+        </p:spPr>
+      </p:pic>
+      <p:sp>
+        <p:nvSpPr>
+          <p:cNvPr id="2" name="矩形 1"/>
+          <p:cNvSpPr/>
+          <p:nvPr/>
+        </p:nvSpPr>
+        <p:spPr>
+          <a:xfrm>
+            <a:off x="1449015" y="2326400"/>
+            <a:ext cx="5801588" cy="923330"/>
+          </a:xfrm>
+          <a:prstGeom prst="rect">
+            <a:avLst/>
+          </a:prstGeom>
+          <a:noFill/>
+        </p:spPr>
+        <p:txBody>
+          <a:bodyPr wrap="none" lIns="91440" tIns="45720" rIns="91440" bIns="45720">
+            <a:spAutoFit/>
+          </a:bodyPr>
+          <a:lstStyle/>
+          <a:p>
+            <a:pPr algn="ctr"/>
+            <a:r>
+              <a:rPr lang="zh-CN" altLang="en-US" sz="5400" b="1" dirty="0" smtClean="0">
+                <a:ln w="10160">
+                  <a:solidFill>
+                    <a:schemeClr val="accent5"/>
+                  </a:solidFill>
+                  <a:prstDash val="solid"/>
+                </a:ln>
+                <a:solidFill>
+                  <a:srgbClr val="FFFFFF"/>
+                </a:solidFill>
+                <a:effectLst>
+                  <a:outerShdw blurRad="38100" dist="22860" dir="5400000" algn="tl" rotWithShape="0">
+                    <a:srgbClr val="000000">
+                      <a:alpha val="30000"/>
+                    </a:srgbClr>
+                  </a:outerShdw>
+                </a:effectLst>
+              </a:rPr>
+              <a:t>谢谢  </a:t>
+            </a:r>
+            <a:r>
+              <a:rPr lang="en-US" altLang="zh-CN" sz="5400" b="1" dirty="0" smtClean="0">
+                <a:ln w="10160">
+                  <a:solidFill>
+                    <a:schemeClr val="accent5"/>
+                  </a:solidFill>
+                  <a:prstDash val="solid"/>
+                </a:ln>
+                <a:solidFill>
+                  <a:srgbClr val="FFFFFF"/>
+                </a:solidFill>
+                <a:effectLst>
+                  <a:outerShdw blurRad="38100" dist="22860" dir="5400000" algn="tl" rotWithShape="0">
+                    <a:srgbClr val="000000">
+                      <a:alpha val="30000"/>
+                    </a:srgbClr>
+                  </a:outerShdw>
+                </a:effectLst>
+              </a:rPr>
+              <a:t>(</a:t>
+            </a:r>
+            <a:r>
+              <a:rPr lang="zh-CN" altLang="en-US" sz="5400" b="1" dirty="0">
+                <a:ln w="10160">
+                  <a:solidFill>
+                    <a:schemeClr val="accent5"/>
+                  </a:solidFill>
+                  <a:prstDash val="solid"/>
+                </a:ln>
+                <a:solidFill>
+                  <a:srgbClr val="FFFFFF"/>
+                </a:solidFill>
+                <a:effectLst>
+                  <a:outerShdw blurRad="38100" dist="22860" dir="5400000" algn="tl" rotWithShape="0">
+                    <a:srgbClr val="000000">
+                      <a:alpha val="30000"/>
+                    </a:srgbClr>
+                  </a:outerShdw>
+                </a:effectLst>
+              </a:rPr>
+              <a:t>ｖ＾＿＾</a:t>
+            </a:r>
+            <a:r>
+              <a:rPr lang="en-US" altLang="zh-CN" sz="5400" b="1" dirty="0">
+                <a:ln w="10160">
+                  <a:solidFill>
+                    <a:schemeClr val="accent5"/>
+                  </a:solidFill>
+                  <a:prstDash val="solid"/>
+                </a:ln>
+                <a:solidFill>
+                  <a:srgbClr val="FFFFFF"/>
+                </a:solidFill>
+                <a:effectLst>
+                  <a:outerShdw blurRad="38100" dist="22860" dir="5400000" algn="tl" rotWithShape="0">
+                    <a:srgbClr val="000000">
+                      <a:alpha val="30000"/>
+                    </a:srgbClr>
+                  </a:outerShdw>
+                </a:effectLst>
+              </a:rPr>
+              <a:t>)</a:t>
+            </a:r>
+            <a:r>
+              <a:rPr lang="zh-CN" altLang="en-US" sz="5400" b="1" dirty="0">
+                <a:ln w="10160">
+                  <a:solidFill>
+                    <a:schemeClr val="accent5"/>
+                  </a:solidFill>
+                  <a:prstDash val="solid"/>
+                </a:ln>
+                <a:solidFill>
+                  <a:srgbClr val="FFFFFF"/>
+                </a:solidFill>
+                <a:effectLst>
+                  <a:outerShdw blurRad="38100" dist="22860" dir="5400000" algn="tl" rotWithShape="0">
+                    <a:srgbClr val="000000">
+                      <a:alpha val="30000"/>
+                    </a:srgbClr>
+                  </a:outerShdw>
+                </a:effectLst>
+              </a:rPr>
+              <a:t>ｖ</a:t>
+            </a:r>
+          </a:p>
+        </p:txBody>
+      </p:sp>
+    </p:spTree>
+  </p:cSld>
+  <p:clrMapOvr>
+    <a:masterClrMapping/>
+  </p:clrMapOvr>
+  <p:timing>
+    <p:tnLst>
+      <p:par>
+        <p:cTn id="1" dur="indefinite" restart="never" nodeType="tmRoot"/>
+      </p:par>
+    </p:tnLst>
   </p:timing>
 </p:sld>
 </file>
